--- a/maquettes/Wireframe.pptx
+++ b/maquettes/Wireframe.pptx
@@ -3586,7 +3586,7 @@
         </p:nvSpPr>
         <p:spPr>
           <a:xfrm rot="186044">
-            <a:off x="1045755" y="5459805"/>
+            <a:off x="930519" y="5574870"/>
             <a:ext cx="1112763" cy="850446"/>
           </a:xfrm>
           <a:prstGeom prst="roundRect">
@@ -3654,7 +3654,7 @@
         </p:nvSpPr>
         <p:spPr>
           <a:xfrm rot="21235316">
-            <a:off x="4943477" y="5025437"/>
+            <a:off x="4743994" y="5120174"/>
             <a:ext cx="1324743" cy="850446"/>
           </a:xfrm>
           <a:prstGeom prst="roundRect">
@@ -3748,7 +3748,7 @@
         </p:nvSpPr>
         <p:spPr>
           <a:xfrm rot="222273">
-            <a:off x="8553913" y="5468707"/>
+            <a:off x="8568130" y="5539141"/>
             <a:ext cx="1467422" cy="850446"/>
           </a:xfrm>
           <a:prstGeom prst="roundRect">
@@ -3816,8 +3816,8 @@
         </p:nvSpPr>
         <p:spPr>
           <a:xfrm rot="282759">
-            <a:off x="382968" y="1166462"/>
-            <a:ext cx="4485231" cy="4086529"/>
+            <a:off x="235134" y="1789959"/>
+            <a:ext cx="3600000" cy="3600000"/>
           </a:xfrm>
           <a:prstGeom prst="rect">
             <a:avLst/>
@@ -3924,8 +3924,8 @@
         </p:nvSpPr>
         <p:spPr>
           <a:xfrm rot="21284865">
-            <a:off x="6362571" y="1160263"/>
-            <a:ext cx="3927200" cy="4098924"/>
+            <a:off x="6833256" y="1723379"/>
+            <a:ext cx="3600000" cy="3600000"/>
           </a:xfrm>
           <a:prstGeom prst="rect">
             <a:avLst/>
@@ -3983,8 +3983,8 @@
         </p:nvSpPr>
         <p:spPr>
           <a:xfrm rot="21245740">
-            <a:off x="587473" y="1370270"/>
-            <a:ext cx="2029326" cy="461665"/>
+            <a:off x="6890465" y="1833351"/>
+            <a:ext cx="2029326" cy="830997"/>
           </a:xfrm>
           <a:prstGeom prst="rect">
             <a:avLst/>
@@ -4000,13 +4000,21 @@
           </a:bodyPr>
           <a:lstStyle/>
           <a:p>
+            <a:endParaRPr lang="fr-FR" sz="1200" dirty="0">
+              <a:latin typeface="Arial Rounded MT Bold" panose="020F0704030504030204" pitchFamily="34" charset="0"/>
+            </a:endParaRPr>
+          </a:p>
+          <a:p>
             <a:r>
               <a:rPr lang="fr-FR" sz="1200" dirty="0">
-                <a:solidFill>
-                  <a:schemeClr val="accent1">
-                    <a:lumMod val="50000"/>
-                  </a:schemeClr>
-                </a:solidFill>
+                <a:latin typeface="Arial Rounded MT Bold" panose="020F0704030504030204" pitchFamily="34" charset="0"/>
+              </a:rPr>
+              <a:t>Nom équipe : </a:t>
+            </a:r>
+          </a:p>
+          <a:p>
+            <a:r>
+              <a:rPr lang="fr-FR" sz="1200" dirty="0">
                 <a:latin typeface="Arial Rounded MT Bold" panose="020F0704030504030204" pitchFamily="34" charset="0"/>
               </a:rPr>
               <a:t>Délégué : Prénom Nom</a:t>
@@ -4015,11 +4023,6 @@
           <a:p>
             <a:r>
               <a:rPr lang="fr-FR" sz="1200" dirty="0">
-                <a:solidFill>
-                  <a:schemeClr val="accent1">
-                    <a:lumMod val="50000"/>
-                  </a:schemeClr>
-                </a:solidFill>
                 <a:latin typeface="Arial Rounded MT Bold" panose="020F0704030504030204" pitchFamily="34" charset="0"/>
               </a:rPr>
               <a:t>Suppléant : Prénom Nom </a:t>
@@ -4041,8 +4044,8 @@
         </p:nvSpPr>
         <p:spPr>
           <a:xfrm rot="190739">
-            <a:off x="2648422" y="1845398"/>
-            <a:ext cx="2043042" cy="461665"/>
+            <a:off x="8280320" y="2655070"/>
+            <a:ext cx="2043042" cy="646331"/>
           </a:xfrm>
           <a:prstGeom prst="rect">
             <a:avLst/>
@@ -4067,11 +4070,14 @@
           <a:p>
             <a:r>
               <a:rPr lang="fr-FR" sz="1200" dirty="0">
-                <a:solidFill>
-                  <a:schemeClr val="accent1">
-                    <a:lumMod val="50000"/>
-                  </a:schemeClr>
-                </a:solidFill>
+                <a:latin typeface="Arial Rounded MT Bold" panose="020F0704030504030204" pitchFamily="34" charset="0"/>
+              </a:rPr>
+              <a:t>Nom équipe :</a:t>
+            </a:r>
+          </a:p>
+          <a:p>
+            <a:r>
+              <a:rPr lang="fr-FR" sz="1200" dirty="0">
                 <a:latin typeface="Arial Rounded MT Bold" panose="020F0704030504030204" pitchFamily="34" charset="0"/>
               </a:rPr>
               <a:t>Délégué : Prénom Nom</a:t>
@@ -4080,11 +4086,6 @@
           <a:p>
             <a:r>
               <a:rPr lang="fr-FR" sz="1200" dirty="0">
-                <a:solidFill>
-                  <a:schemeClr val="accent1">
-                    <a:lumMod val="50000"/>
-                  </a:schemeClr>
-                </a:solidFill>
                 <a:latin typeface="Arial Rounded MT Bold" panose="020F0704030504030204" pitchFamily="34" charset="0"/>
               </a:rPr>
               <a:t>Suppléant : Prénom Nom </a:t>
@@ -4106,7 +4107,7 @@
         </p:nvSpPr>
         <p:spPr>
           <a:xfrm rot="21135576">
-            <a:off x="6729817" y="1914053"/>
+            <a:off x="545035" y="2172498"/>
             <a:ext cx="1415035" cy="461665"/>
           </a:xfrm>
           <a:prstGeom prst="rect">
@@ -4132,6 +4133,9 @@
           <a:p>
             <a:r>
               <a:rPr lang="fr-FR" sz="1200" dirty="0">
+                <a:solidFill>
+                  <a:srgbClr val="2643BC"/>
+                </a:solidFill>
                 <a:latin typeface="Arial Rounded MT Bold" panose="020F0704030504030204" pitchFamily="34" charset="0"/>
               </a:rPr>
               <a:t>Prénom Nom</a:t>
@@ -4140,6 +4144,9 @@
           <a:p>
             <a:r>
               <a:rPr lang="fr-FR" sz="1200" dirty="0">
+                <a:solidFill>
+                  <a:srgbClr val="2643BC"/>
+                </a:solidFill>
                 <a:latin typeface="Arial Rounded MT Bold" panose="020F0704030504030204" pitchFamily="34" charset="0"/>
               </a:rPr>
               <a:t>Email</a:t>
@@ -4161,7 +4168,7 @@
         </p:nvSpPr>
         <p:spPr>
           <a:xfrm rot="353391">
-            <a:off x="8619687" y="1459816"/>
+            <a:off x="2307739" y="2368670"/>
             <a:ext cx="1415035" cy="461665"/>
           </a:xfrm>
           <a:prstGeom prst="rect">
@@ -4188,9 +4195,7 @@
             <a:r>
               <a:rPr lang="fr-FR" sz="1200" dirty="0">
                 <a:solidFill>
-                  <a:schemeClr val="accent1">
-                    <a:lumMod val="50000"/>
-                  </a:schemeClr>
+                  <a:srgbClr val="2643BC"/>
                 </a:solidFill>
                 <a:latin typeface="Arial Rounded MT Bold" panose="020F0704030504030204" pitchFamily="34" charset="0"/>
               </a:rPr>
@@ -4201,9 +4206,7 @@
             <a:r>
               <a:rPr lang="fr-FR" sz="1200" dirty="0">
                 <a:solidFill>
-                  <a:schemeClr val="accent1">
-                    <a:lumMod val="50000"/>
-                  </a:schemeClr>
+                  <a:srgbClr val="2643BC"/>
                 </a:solidFill>
                 <a:latin typeface="Arial Rounded MT Bold" panose="020F0704030504030204" pitchFamily="34" charset="0"/>
               </a:rPr>
@@ -4226,7 +4229,7 @@
         </p:nvSpPr>
         <p:spPr>
           <a:xfrm rot="352655">
-            <a:off x="2003246" y="4869315"/>
+            <a:off x="1303921" y="4875492"/>
             <a:ext cx="743015" cy="400110"/>
           </a:xfrm>
           <a:prstGeom prst="rect">
@@ -4311,7 +4314,7 @@
         </p:nvSpPr>
         <p:spPr>
           <a:xfrm rot="21329652">
-            <a:off x="9821508" y="958171"/>
+            <a:off x="9958834" y="1579599"/>
             <a:ext cx="357781" cy="400110"/>
           </a:xfrm>
           <a:prstGeom prst="rect">
@@ -4348,7 +4351,7 @@
         </p:nvSpPr>
         <p:spPr>
           <a:xfrm rot="530654">
-            <a:off x="4613194" y="1323212"/>
+            <a:off x="3583208" y="1872050"/>
             <a:ext cx="357781" cy="400110"/>
           </a:xfrm>
           <a:prstGeom prst="rect">
@@ -4373,10 +4376,10 @@
       </p:sp>
       <p:sp>
         <p:nvSpPr>
-          <p:cNvPr id="19" name="ZoneTexte 18">
+          <p:cNvPr id="2" name="ZoneTexte 1">
             <a:extLst>
               <a:ext uri="{FF2B5EF4-FFF2-40B4-BE49-F238E27FC236}">
-                <a16:creationId xmlns:a16="http://schemas.microsoft.com/office/drawing/2014/main" id="{1F347AAC-044A-7C12-31D5-69AB8B4B2C97}"/>
+                <a16:creationId xmlns:a16="http://schemas.microsoft.com/office/drawing/2014/main" id="{7E615C79-AA88-CA95-30E1-79F131948D9C}"/>
               </a:ext>
             </a:extLst>
           </p:cNvPr>
@@ -4384,8 +4387,8 @@
           <p:nvPr/>
         </p:nvSpPr>
         <p:spPr>
-          <a:xfrm rot="21334524">
-            <a:off x="8313045" y="4845539"/>
+          <a:xfrm rot="21186132">
+            <a:off x="8375754" y="4869315"/>
             <a:ext cx="743015" cy="400110"/>
           </a:xfrm>
           <a:prstGeom prst="rect">
@@ -4415,6 +4418,158 @@
                 <a:latin typeface="Arial Rounded MT Bold" panose="020F0704030504030204" pitchFamily="34" charset="0"/>
               </a:rPr>
               <a:t>+  x</a:t>
+            </a:r>
+          </a:p>
+        </p:txBody>
+      </p:sp>
+      <p:sp>
+        <p:nvSpPr>
+          <p:cNvPr id="7" name="ZoneTexte 6">
+            <a:extLst>
+              <a:ext uri="{FF2B5EF4-FFF2-40B4-BE49-F238E27FC236}">
+                <a16:creationId xmlns:a16="http://schemas.microsoft.com/office/drawing/2014/main" id="{7F1CBC2F-2F79-85EC-D409-F0BDDE894676}"/>
+              </a:ext>
+            </a:extLst>
+          </p:cNvPr>
+          <p:cNvSpPr txBox="1"/>
+          <p:nvPr/>
+        </p:nvSpPr>
+        <p:spPr>
+          <a:xfrm rot="21405541">
+            <a:off x="4233283" y="898109"/>
+            <a:ext cx="2755725" cy="923330"/>
+          </a:xfrm>
+          <a:prstGeom prst="rect">
+            <a:avLst/>
+          </a:prstGeom>
+          <a:solidFill>
+            <a:srgbClr val="CDACE6"/>
+          </a:solidFill>
+          <a:ln>
+            <a:noFill/>
+          </a:ln>
+          <a:effectLst>
+            <a:outerShdw blurRad="50800" dist="38100" dir="2700000" algn="tl" rotWithShape="0">
+              <a:prstClr val="black">
+                <a:alpha val="40000"/>
+              </a:prstClr>
+            </a:outerShdw>
+          </a:effectLst>
+        </p:spPr>
+        <p:txBody>
+          <a:bodyPr wrap="square" rtlCol="0">
+            <a:spAutoFit/>
+          </a:bodyPr>
+          <a:lstStyle/>
+          <a:p>
+            <a:r>
+              <a:rPr lang="fr-FR" dirty="0">
+                <a:latin typeface="Arial Rounded MT Bold" panose="020F0704030504030204" pitchFamily="34" charset="0"/>
+              </a:rPr>
+              <a:t>Formation : </a:t>
+            </a:r>
+          </a:p>
+          <a:p>
+            <a:r>
+              <a:rPr lang="fr-FR" dirty="0">
+                <a:latin typeface="Arial Rounded MT Bold" panose="020F0704030504030204" pitchFamily="34" charset="0"/>
+              </a:rPr>
+              <a:t>Session :</a:t>
+            </a:r>
+            <a:r>
+              <a:rPr lang="fr-FR" dirty="0"/>
+              <a:t>		</a:t>
+            </a:r>
+          </a:p>
+          <a:p>
+            <a:r>
+              <a:rPr lang="fr-FR" dirty="0"/>
+              <a:t>	</a:t>
+            </a:r>
+          </a:p>
+        </p:txBody>
+      </p:sp>
+      <p:sp>
+        <p:nvSpPr>
+          <p:cNvPr id="12" name="ZoneTexte 11">
+            <a:extLst>
+              <a:ext uri="{FF2B5EF4-FFF2-40B4-BE49-F238E27FC236}">
+                <a16:creationId xmlns:a16="http://schemas.microsoft.com/office/drawing/2014/main" id="{09F5F059-351C-F4A9-CF29-D27C64E82C81}"/>
+              </a:ext>
+            </a:extLst>
+          </p:cNvPr>
+          <p:cNvSpPr txBox="1"/>
+          <p:nvPr/>
+        </p:nvSpPr>
+        <p:spPr>
+          <a:xfrm rot="21405541">
+            <a:off x="6227460" y="1433232"/>
+            <a:ext cx="743015" cy="307777"/>
+          </a:xfrm>
+          <a:prstGeom prst="rect">
+            <a:avLst/>
+          </a:prstGeom>
+          <a:noFill/>
+          <a:ln>
+            <a:noFill/>
+          </a:ln>
+          <a:effectLst>
+            <a:outerShdw blurRad="50800" dist="38100" algn="l" rotWithShape="0">
+              <a:prstClr val="black">
+                <a:alpha val="40000"/>
+              </a:prstClr>
+            </a:outerShdw>
+          </a:effectLst>
+        </p:spPr>
+        <p:txBody>
+          <a:bodyPr wrap="square" rtlCol="0">
+            <a:spAutoFit/>
+          </a:bodyPr>
+          <a:lstStyle/>
+          <a:p>
+            <a:pPr algn="ctr"/>
+            <a:r>
+              <a:rPr lang="fr-FR" sz="1400" b="1" dirty="0">
+                <a:latin typeface="Arial Rounded MT Bold" panose="020F0704030504030204" pitchFamily="34" charset="0"/>
+              </a:rPr>
+              <a:t>v  x</a:t>
+            </a:r>
+          </a:p>
+        </p:txBody>
+      </p:sp>
+      <p:sp>
+        <p:nvSpPr>
+          <p:cNvPr id="31" name="ZoneTexte 30">
+            <a:extLst>
+              <a:ext uri="{FF2B5EF4-FFF2-40B4-BE49-F238E27FC236}">
+                <a16:creationId xmlns:a16="http://schemas.microsoft.com/office/drawing/2014/main" id="{A8AB80E1-FDC7-538D-6F37-E2222929435C}"/>
+              </a:ext>
+            </a:extLst>
+          </p:cNvPr>
+          <p:cNvSpPr txBox="1"/>
+          <p:nvPr/>
+        </p:nvSpPr>
+        <p:spPr>
+          <a:xfrm rot="21296926">
+            <a:off x="9768553" y="5507098"/>
+            <a:ext cx="337820" cy="523220"/>
+          </a:xfrm>
+          <a:prstGeom prst="rect">
+            <a:avLst/>
+          </a:prstGeom>
+          <a:noFill/>
+        </p:spPr>
+        <p:txBody>
+          <a:bodyPr wrap="square" rtlCol="0">
+            <a:spAutoFit/>
+          </a:bodyPr>
+          <a:lstStyle/>
+          <a:p>
+            <a:r>
+              <a:rPr lang="fr-FR" sz="1400" dirty="0">
+                <a:latin typeface="Arial Rounded MT Bold" panose="020F0704030504030204" pitchFamily="34" charset="0"/>
+              </a:rPr>
+              <a:t> +     x</a:t>
             </a:r>
           </a:p>
         </p:txBody>
@@ -4571,7 +4726,11 @@
           <a:lstStyle/>
           <a:p>
             <a:pPr algn="ctr"/>
-            <a:endParaRPr lang="fr-FR" sz="795" dirty="0"/>
+            <a:endParaRPr lang="fr-FR" sz="795" dirty="0">
+              <a:solidFill>
+                <a:srgbClr val="00B0DA"/>
+              </a:solidFill>
+            </a:endParaRPr>
           </a:p>
         </p:txBody>
       </p:sp>
@@ -4605,7 +4764,7 @@
           <a:p>
             <a:r>
               <a:rPr lang="fr-FR" sz="1000" b="1" dirty="0"/>
-              <a:t>Modale Formulaire d’ajout de stagiaires avec ajout si candidat</a:t>
+              <a:t>Modale Formulaire d’ajout de stagiaires et candidats</a:t>
             </a:r>
           </a:p>
         </p:txBody>
@@ -4624,7 +4783,7 @@
         </p:nvSpPr>
         <p:spPr>
           <a:xfrm>
-            <a:off x="7432254" y="1588186"/>
+            <a:off x="7499512" y="4230979"/>
             <a:ext cx="180000" cy="180000"/>
           </a:xfrm>
           <a:prstGeom prst="rect">
@@ -4680,7 +4839,7 @@
         </p:nvSpPr>
         <p:spPr>
           <a:xfrm rot="120000">
-            <a:off x="7762618" y="1552232"/>
+            <a:off x="7829876" y="4195025"/>
             <a:ext cx="2052429" cy="338554"/>
           </a:xfrm>
           <a:prstGeom prst="rect">
@@ -4772,7 +4931,14 @@
           <a:lstStyle/>
           <a:p>
             <a:r>
-              <a:rPr lang="fr-FR" sz="1200" dirty="0"/>
+              <a:rPr lang="fr-FR" sz="1200" dirty="0">
+                <a:solidFill>
+                  <a:schemeClr val="tx1">
+                    <a:lumMod val="65000"/>
+                    <a:lumOff val="35000"/>
+                  </a:schemeClr>
+                </a:solidFill>
+              </a:rPr>
               <a:t>? (Si candidat ou suppléant  coché affiche que nom et prénom)</a:t>
             </a:r>
           </a:p>
@@ -4792,7 +4958,7 @@
         </p:nvSpPr>
         <p:spPr>
           <a:xfrm>
-            <a:off x="7432253" y="2057578"/>
+            <a:off x="7499511" y="4700371"/>
             <a:ext cx="180000" cy="180000"/>
           </a:xfrm>
           <a:prstGeom prst="rect">
@@ -4848,7 +5014,7 @@
         </p:nvSpPr>
         <p:spPr>
           <a:xfrm rot="120000">
-            <a:off x="7762551" y="2038387"/>
+            <a:off x="7829809" y="4681180"/>
             <a:ext cx="2271481" cy="338554"/>
           </a:xfrm>
           <a:prstGeom prst="rect">
@@ -5144,10 +5310,10 @@
       </p:sp>
       <p:sp>
         <p:nvSpPr>
-          <p:cNvPr id="28" name="ZoneTexte 27">
+          <p:cNvPr id="15" name="ZoneTexte 14">
             <a:extLst>
               <a:ext uri="{FF2B5EF4-FFF2-40B4-BE49-F238E27FC236}">
-                <a16:creationId xmlns:a16="http://schemas.microsoft.com/office/drawing/2014/main" id="{C63D029C-04D5-DEF3-EF33-3A8802AF0D21}"/>
+                <a16:creationId xmlns:a16="http://schemas.microsoft.com/office/drawing/2014/main" id="{52B11E43-96EF-FF13-A4C3-5ABCA17BED80}"/>
               </a:ext>
             </a:extLst>
           </p:cNvPr>
@@ -5155,9 +5321,9 @@
           <p:nvPr/>
         </p:nvSpPr>
         <p:spPr>
-          <a:xfrm rot="21296926">
-            <a:off x="5165173" y="4938283"/>
-            <a:ext cx="679629" cy="307777"/>
+          <a:xfrm rot="120000">
+            <a:off x="7378214" y="1600170"/>
+            <a:ext cx="1416736" cy="261610"/>
           </a:xfrm>
           <a:prstGeom prst="rect">
             <a:avLst/>
@@ -5171,10 +5337,90 @@
           <a:lstStyle/>
           <a:p>
             <a:r>
+              <a:rPr lang="fr-FR" sz="1100" dirty="0">
+                <a:latin typeface="Arial Rounded MT Bold" panose="020F0704030504030204" pitchFamily="34" charset="0"/>
+              </a:rPr>
+              <a:t>Nom de l’équipe :</a:t>
+            </a:r>
+          </a:p>
+        </p:txBody>
+      </p:sp>
+      <p:cxnSp>
+        <p:nvCxnSpPr>
+          <p:cNvPr id="31" name="Connecteur droit 30">
+            <a:extLst>
+              <a:ext uri="{FF2B5EF4-FFF2-40B4-BE49-F238E27FC236}">
+                <a16:creationId xmlns:a16="http://schemas.microsoft.com/office/drawing/2014/main" id="{08D8F012-BE97-E78A-C556-D3551ADA368D}"/>
+              </a:ext>
+            </a:extLst>
+          </p:cNvPr>
+          <p:cNvCxnSpPr>
+            <a:cxnSpLocks/>
+          </p:cNvCxnSpPr>
+          <p:nvPr/>
+        </p:nvCxnSpPr>
+        <p:spPr>
+          <a:xfrm>
+            <a:off x="8628717" y="1819353"/>
+            <a:ext cx="1300876" cy="36308"/>
+          </a:xfrm>
+          <a:prstGeom prst="line">
+            <a:avLst/>
+          </a:prstGeom>
+          <a:ln>
+            <a:solidFill>
+              <a:schemeClr val="tx1"/>
+            </a:solidFill>
+          </a:ln>
+        </p:spPr>
+        <p:style>
+          <a:lnRef idx="1">
+            <a:schemeClr val="accent1"/>
+          </a:lnRef>
+          <a:fillRef idx="0">
+            <a:schemeClr val="accent1"/>
+          </a:fillRef>
+          <a:effectRef idx="0">
+            <a:schemeClr val="accent1"/>
+          </a:effectRef>
+          <a:fontRef idx="minor">
+            <a:schemeClr val="tx1"/>
+          </a:fontRef>
+        </p:style>
+      </p:cxnSp>
+      <p:sp>
+        <p:nvSpPr>
+          <p:cNvPr id="35" name="ZoneTexte 34">
+            <a:extLst>
+              <a:ext uri="{FF2B5EF4-FFF2-40B4-BE49-F238E27FC236}">
+                <a16:creationId xmlns:a16="http://schemas.microsoft.com/office/drawing/2014/main" id="{5EEA0165-39C3-A53D-8531-B1B8260DDBB0}"/>
+              </a:ext>
+            </a:extLst>
+          </p:cNvPr>
+          <p:cNvSpPr txBox="1"/>
+          <p:nvPr/>
+        </p:nvSpPr>
+        <p:spPr>
+          <a:xfrm rot="21296926">
+            <a:off x="4990867" y="4885958"/>
+            <a:ext cx="819963" cy="307777"/>
+          </a:xfrm>
+          <a:prstGeom prst="rect">
+            <a:avLst/>
+          </a:prstGeom>
+          <a:noFill/>
+        </p:spPr>
+        <p:txBody>
+          <a:bodyPr wrap="square" rtlCol="0">
+            <a:spAutoFit/>
+          </a:bodyPr>
+          <a:lstStyle/>
+          <a:p>
+            <a:r>
               <a:rPr lang="fr-FR" sz="1400" dirty="0">
                 <a:latin typeface="Arial Rounded MT Bold" panose="020F0704030504030204" pitchFamily="34" charset="0"/>
               </a:rPr>
-              <a:t> +     x</a:t>
+              <a:t> +       x</a:t>
             </a:r>
           </a:p>
         </p:txBody>
@@ -6865,7 +7111,7 @@
         </p:nvSpPr>
         <p:spPr>
           <a:xfrm>
-            <a:off x="5153398" y="581310"/>
+            <a:off x="2998922" y="724394"/>
             <a:ext cx="3978077" cy="2682273"/>
           </a:xfrm>
           <a:prstGeom prst="rect">
@@ -6998,7 +7244,7 @@
         </p:nvSpPr>
         <p:spPr>
           <a:xfrm>
-            <a:off x="5345906" y="4550040"/>
+            <a:off x="3356867" y="4612739"/>
             <a:ext cx="3978077" cy="2285241"/>
           </a:xfrm>
           <a:prstGeom prst="rect">
@@ -7123,6 +7369,41 @@
             <a:r>
               <a:rPr lang="fr-FR" sz="1200" dirty="0"/>
               <a:t>Contenu du mail confirmation de vote</a:t>
+            </a:r>
+          </a:p>
+        </p:txBody>
+      </p:sp>
+      <p:sp>
+        <p:nvSpPr>
+          <p:cNvPr id="4" name="ZoneTexte 3">
+            <a:extLst>
+              <a:ext uri="{FF2B5EF4-FFF2-40B4-BE49-F238E27FC236}">
+                <a16:creationId xmlns:a16="http://schemas.microsoft.com/office/drawing/2014/main" id="{8A6B9E81-D1C6-54C1-CBC5-DDC7D623D184}"/>
+              </a:ext>
+            </a:extLst>
+          </p:cNvPr>
+          <p:cNvSpPr txBox="1"/>
+          <p:nvPr/>
+        </p:nvSpPr>
+        <p:spPr>
+          <a:xfrm>
+            <a:off x="8354862" y="539728"/>
+            <a:ext cx="2154476" cy="369332"/>
+          </a:xfrm>
+          <a:prstGeom prst="rect">
+            <a:avLst/>
+          </a:prstGeom>
+          <a:noFill/>
+        </p:spPr>
+        <p:txBody>
+          <a:bodyPr wrap="square" rtlCol="0">
+            <a:spAutoFit/>
+          </a:bodyPr>
+          <a:lstStyle/>
+          <a:p>
+            <a:r>
+              <a:rPr lang="fr-FR" b="1" dirty="0"/>
+              <a:t>Juste pour mémoire </a:t>
             </a:r>
           </a:p>
         </p:txBody>

--- a/maquettes/Wireframe.pptx
+++ b/maquettes/Wireframe.pptx
@@ -5,14 +5,15 @@
     <p:sldMasterId id="2147483672" r:id="rId1"/>
   </p:sldMasterIdLst>
   <p:notesMasterIdLst>
-    <p:notesMasterId r:id="rId7"/>
+    <p:notesMasterId r:id="rId8"/>
   </p:notesMasterIdLst>
   <p:sldIdLst>
-    <p:sldId id="260" r:id="rId2"/>
-    <p:sldId id="261" r:id="rId3"/>
-    <p:sldId id="257" r:id="rId4"/>
-    <p:sldId id="262" r:id="rId5"/>
-    <p:sldId id="256" r:id="rId6"/>
+    <p:sldId id="263" r:id="rId2"/>
+    <p:sldId id="260" r:id="rId3"/>
+    <p:sldId id="261" r:id="rId4"/>
+    <p:sldId id="257" r:id="rId5"/>
+    <p:sldId id="262" r:id="rId6"/>
+    <p:sldId id="256" r:id="rId7"/>
   </p:sldIdLst>
   <p:sldSz cx="10691813" cy="7559675"/>
   <p:notesSz cx="6858000" cy="9144000"/>
@@ -201,7 +202,7 @@
           <a:p>
             <a:fld id="{85C527A3-6C79-457D-A0EE-40195EE30A57}" type="datetimeFigureOut">
               <a:rPr lang="fr-FR" smtClean="0"/>
-              <a:t>31/07/2025</a:t>
+              <a:t>01/08/2025</a:t>
             </a:fld>
             <a:endParaRPr lang="fr-FR"/>
           </a:p>
@@ -538,7 +539,7 @@
           <a:p>
             <a:fld id="{6ED1089A-B256-4E62-B57A-4583528A750B}" type="slidenum">
               <a:rPr lang="fr-FR" smtClean="0"/>
-              <a:t>1</a:t>
+              <a:t>2</a:t>
             </a:fld>
             <a:endParaRPr lang="fr-FR"/>
           </a:p>
@@ -688,7 +689,7 @@
           <a:p>
             <a:fld id="{275C4363-086D-4FE8-A7DC-CDDA1B0D8DEC}" type="datetimeFigureOut">
               <a:rPr lang="fr-FR" smtClean="0"/>
-              <a:t>31/07/2025</a:t>
+              <a:t>01/08/2025</a:t>
             </a:fld>
             <a:endParaRPr lang="fr-FR"/>
           </a:p>
@@ -858,7 +859,7 @@
           <a:p>
             <a:fld id="{275C4363-086D-4FE8-A7DC-CDDA1B0D8DEC}" type="datetimeFigureOut">
               <a:rPr lang="fr-FR" smtClean="0"/>
-              <a:t>31/07/2025</a:t>
+              <a:t>01/08/2025</a:t>
             </a:fld>
             <a:endParaRPr lang="fr-FR"/>
           </a:p>
@@ -1038,7 +1039,7 @@
           <a:p>
             <a:fld id="{275C4363-086D-4FE8-A7DC-CDDA1B0D8DEC}" type="datetimeFigureOut">
               <a:rPr lang="fr-FR" smtClean="0"/>
-              <a:t>31/07/2025</a:t>
+              <a:t>01/08/2025</a:t>
             </a:fld>
             <a:endParaRPr lang="fr-FR"/>
           </a:p>
@@ -1208,7 +1209,7 @@
           <a:p>
             <a:fld id="{275C4363-086D-4FE8-A7DC-CDDA1B0D8DEC}" type="datetimeFigureOut">
               <a:rPr lang="fr-FR" smtClean="0"/>
-              <a:t>31/07/2025</a:t>
+              <a:t>01/08/2025</a:t>
             </a:fld>
             <a:endParaRPr lang="fr-FR"/>
           </a:p>
@@ -1452,7 +1453,7 @@
           <a:p>
             <a:fld id="{275C4363-086D-4FE8-A7DC-CDDA1B0D8DEC}" type="datetimeFigureOut">
               <a:rPr lang="fr-FR" smtClean="0"/>
-              <a:t>31/07/2025</a:t>
+              <a:t>01/08/2025</a:t>
             </a:fld>
             <a:endParaRPr lang="fr-FR"/>
           </a:p>
@@ -1684,7 +1685,7 @@
           <a:p>
             <a:fld id="{275C4363-086D-4FE8-A7DC-CDDA1B0D8DEC}" type="datetimeFigureOut">
               <a:rPr lang="fr-FR" smtClean="0"/>
-              <a:t>31/07/2025</a:t>
+              <a:t>01/08/2025</a:t>
             </a:fld>
             <a:endParaRPr lang="fr-FR"/>
           </a:p>
@@ -2051,7 +2052,7 @@
           <a:p>
             <a:fld id="{275C4363-086D-4FE8-A7DC-CDDA1B0D8DEC}" type="datetimeFigureOut">
               <a:rPr lang="fr-FR" smtClean="0"/>
-              <a:t>31/07/2025</a:t>
+              <a:t>01/08/2025</a:t>
             </a:fld>
             <a:endParaRPr lang="fr-FR"/>
           </a:p>
@@ -2169,7 +2170,7 @@
           <a:p>
             <a:fld id="{275C4363-086D-4FE8-A7DC-CDDA1B0D8DEC}" type="datetimeFigureOut">
               <a:rPr lang="fr-FR" smtClean="0"/>
-              <a:t>31/07/2025</a:t>
+              <a:t>01/08/2025</a:t>
             </a:fld>
             <a:endParaRPr lang="fr-FR"/>
           </a:p>
@@ -2264,7 +2265,7 @@
           <a:p>
             <a:fld id="{275C4363-086D-4FE8-A7DC-CDDA1B0D8DEC}" type="datetimeFigureOut">
               <a:rPr lang="fr-FR" smtClean="0"/>
-              <a:t>31/07/2025</a:t>
+              <a:t>01/08/2025</a:t>
             </a:fld>
             <a:endParaRPr lang="fr-FR"/>
           </a:p>
@@ -2541,7 +2542,7 @@
           <a:p>
             <a:fld id="{275C4363-086D-4FE8-A7DC-CDDA1B0D8DEC}" type="datetimeFigureOut">
               <a:rPr lang="fr-FR" smtClean="0"/>
-              <a:t>31/07/2025</a:t>
+              <a:t>01/08/2025</a:t>
             </a:fld>
             <a:endParaRPr lang="fr-FR"/>
           </a:p>
@@ -2798,7 +2799,7 @@
           <a:p>
             <a:fld id="{275C4363-086D-4FE8-A7DC-CDDA1B0D8DEC}" type="datetimeFigureOut">
               <a:rPr lang="fr-FR" smtClean="0"/>
-              <a:t>31/07/2025</a:t>
+              <a:t>01/08/2025</a:t>
             </a:fld>
             <a:endParaRPr lang="fr-FR"/>
           </a:p>
@@ -3011,7 +3012,7 @@
           <a:p>
             <a:fld id="{275C4363-086D-4FE8-A7DC-CDDA1B0D8DEC}" type="datetimeFigureOut">
               <a:rPr lang="fr-FR" smtClean="0"/>
-              <a:t>31/07/2025</a:t>
+              <a:t>01/08/2025</a:t>
             </a:fld>
             <a:endParaRPr lang="fr-FR"/>
           </a:p>
@@ -3402,14 +3403,6 @@
 <file path=ppt/slides/slide1.xml><?xml version="1.0" encoding="utf-8"?>
 <p:sld xmlns:a="http://schemas.openxmlformats.org/drawingml/2006/main" xmlns:r="http://schemas.openxmlformats.org/officeDocument/2006/relationships" xmlns:p="http://schemas.openxmlformats.org/presentationml/2006/main">
   <p:cSld>
-    <p:bg>
-      <p:bgPr>
-        <a:solidFill>
-          <a:schemeClr val="bg1"/>
-        </a:solidFill>
-        <a:effectLst/>
-      </p:bgPr>
-    </p:bg>
     <p:spTree>
       <p:nvGrpSpPr>
         <p:cNvPr id="1" name=""/>
@@ -3426,10 +3419,10 @@
       </p:grpSpPr>
       <p:sp>
         <p:nvSpPr>
-          <p:cNvPr id="4" name="ZoneTexte 3">
+          <p:cNvPr id="2" name="ZoneTexte 1">
             <a:extLst>
               <a:ext uri="{FF2B5EF4-FFF2-40B4-BE49-F238E27FC236}">
-                <a16:creationId xmlns:a16="http://schemas.microsoft.com/office/drawing/2014/main" id="{6D9A3252-5BAF-6E7A-0D67-0F52C6739594}"/>
+                <a16:creationId xmlns:a16="http://schemas.microsoft.com/office/drawing/2014/main" id="{D68E02C9-4738-E342-CA49-E5EFC7D88E60}"/>
               </a:ext>
             </a:extLst>
           </p:cNvPr>
@@ -3438,283 +3431,8 @@
         </p:nvSpPr>
         <p:spPr>
           <a:xfrm>
-            <a:off x="3436724" y="6708353"/>
-            <a:ext cx="1265969" cy="374571"/>
-          </a:xfrm>
-          <a:prstGeom prst="roundRect">
-            <a:avLst/>
-          </a:prstGeom>
-          <a:solidFill>
-            <a:srgbClr val="00B0DA"/>
-          </a:solidFill>
-          <a:ln w="28575">
-            <a:solidFill>
-              <a:schemeClr val="tx1"/>
-            </a:solidFill>
-          </a:ln>
-          <a:effectLst>
-            <a:outerShdw blurRad="50800" dist="38100" algn="l" rotWithShape="0">
-              <a:prstClr val="black">
-                <a:alpha val="40000"/>
-              </a:prstClr>
-            </a:outerShdw>
-          </a:effectLst>
-        </p:spPr>
-        <p:txBody>
-          <a:bodyPr wrap="square" rtlCol="0">
-            <a:spAutoFit/>
-          </a:bodyPr>
-          <a:lstStyle/>
-          <a:p>
-            <a:r>
-              <a:rPr lang="fr-FR" sz="1600" b="1" dirty="0"/>
-              <a:t>Fin du vote</a:t>
-            </a:r>
-          </a:p>
-        </p:txBody>
-      </p:sp>
-      <p:sp>
-        <p:nvSpPr>
-          <p:cNvPr id="5" name="ZoneTexte 4">
-            <a:extLst>
-              <a:ext uri="{FF2B5EF4-FFF2-40B4-BE49-F238E27FC236}">
-                <a16:creationId xmlns:a16="http://schemas.microsoft.com/office/drawing/2014/main" id="{74509625-7DB5-D800-DB79-69C36FF75198}"/>
-              </a:ext>
-            </a:extLst>
-          </p:cNvPr>
-          <p:cNvSpPr txBox="1"/>
-          <p:nvPr/>
-        </p:nvSpPr>
-        <p:spPr>
-          <a:xfrm>
-            <a:off x="5887904" y="6715283"/>
-            <a:ext cx="1640900" cy="374571"/>
-          </a:xfrm>
-          <a:prstGeom prst="roundRect">
-            <a:avLst/>
-          </a:prstGeom>
-          <a:solidFill>
-            <a:srgbClr val="00B0DA"/>
-          </a:solidFill>
-          <a:ln w="28575">
-            <a:solidFill>
-              <a:schemeClr val="tx1"/>
-            </a:solidFill>
-          </a:ln>
-          <a:effectLst>
-            <a:outerShdw blurRad="50800" dist="38100" algn="l" rotWithShape="0">
-              <a:prstClr val="black">
-                <a:alpha val="40000"/>
-              </a:prstClr>
-            </a:outerShdw>
-          </a:effectLst>
-        </p:spPr>
-        <p:txBody>
-          <a:bodyPr wrap="square" rtlCol="0">
-            <a:spAutoFit/>
-          </a:bodyPr>
-          <a:lstStyle/>
-          <a:p>
-            <a:pPr algn="ctr"/>
-            <a:r>
-              <a:rPr lang="fr-FR" sz="1600" b="1" dirty="0"/>
-              <a:t>Relance du vote</a:t>
-            </a:r>
-          </a:p>
-        </p:txBody>
-      </p:sp>
-      <p:sp>
-        <p:nvSpPr>
-          <p:cNvPr id="6" name="ZoneTexte 5">
-            <a:extLst>
-              <a:ext uri="{FF2B5EF4-FFF2-40B4-BE49-F238E27FC236}">
-                <a16:creationId xmlns:a16="http://schemas.microsoft.com/office/drawing/2014/main" id="{79687EA7-FE46-A6F9-84C9-57E9FE51F90E}"/>
-              </a:ext>
-            </a:extLst>
-          </p:cNvPr>
-          <p:cNvSpPr txBox="1"/>
-          <p:nvPr/>
-        </p:nvSpPr>
-        <p:spPr>
-          <a:xfrm>
-            <a:off x="8633257" y="6708354"/>
-            <a:ext cx="1437770" cy="374571"/>
-          </a:xfrm>
-          <a:prstGeom prst="roundRect">
-            <a:avLst/>
-          </a:prstGeom>
-          <a:solidFill>
-            <a:srgbClr val="00B0DA"/>
-          </a:solidFill>
-          <a:ln w="28575">
-            <a:solidFill>
-              <a:schemeClr val="tx1"/>
-            </a:solidFill>
-          </a:ln>
-          <a:effectLst>
-            <a:outerShdw blurRad="50800" dist="38100" algn="l" rotWithShape="0">
-              <a:prstClr val="black">
-                <a:alpha val="40000"/>
-              </a:prstClr>
-            </a:outerShdw>
-          </a:effectLst>
-        </p:spPr>
-        <p:txBody>
-          <a:bodyPr wrap="square" rtlCol="0">
-            <a:spAutoFit/>
-          </a:bodyPr>
-          <a:lstStyle/>
-          <a:p>
-            <a:r>
-              <a:rPr lang="fr-FR" sz="1600" b="1" dirty="0"/>
-              <a:t>Fin du scrutin</a:t>
-            </a:r>
-          </a:p>
-        </p:txBody>
-      </p:sp>
-      <p:sp>
-        <p:nvSpPr>
-          <p:cNvPr id="8" name="ZoneTexte 7">
-            <a:extLst>
-              <a:ext uri="{FF2B5EF4-FFF2-40B4-BE49-F238E27FC236}">
-                <a16:creationId xmlns:a16="http://schemas.microsoft.com/office/drawing/2014/main" id="{FC04B9BF-2C70-1764-D944-F6B502FB06F1}"/>
-              </a:ext>
-            </a:extLst>
-          </p:cNvPr>
-          <p:cNvSpPr txBox="1"/>
-          <p:nvPr/>
-        </p:nvSpPr>
-        <p:spPr>
-          <a:xfrm rot="186044">
-            <a:off x="930519" y="5574870"/>
-            <a:ext cx="1112763" cy="850446"/>
-          </a:xfrm>
-          <a:prstGeom prst="roundRect">
-            <a:avLst/>
-          </a:prstGeom>
-          <a:solidFill>
-            <a:srgbClr val="AAFD5F"/>
-          </a:solidFill>
-          <a:ln w="28575">
-            <a:noFill/>
-          </a:ln>
-          <a:effectLst>
-            <a:outerShdw blurRad="50800" dist="38100" algn="l" rotWithShape="0">
-              <a:prstClr val="black">
-                <a:alpha val="40000"/>
-              </a:prstClr>
-            </a:outerShdw>
-          </a:effectLst>
-        </p:spPr>
-        <p:txBody>
-          <a:bodyPr wrap="square" rtlCol="0" anchor="ctr">
-            <a:spAutoFit/>
-          </a:bodyPr>
-          <a:lstStyle/>
-          <a:p>
-            <a:pPr algn="ctr"/>
-            <a:endParaRPr lang="fr-FR" sz="1200" dirty="0">
-              <a:latin typeface="Arial Rounded MT Bold" panose="020F0704030504030204" pitchFamily="34" charset="0"/>
-            </a:endParaRPr>
-          </a:p>
-          <a:p>
-            <a:pPr algn="ctr"/>
-            <a:r>
-              <a:rPr lang="fr-FR" sz="1200" dirty="0">
-                <a:latin typeface="Arial Rounded MT Bold" panose="020F0704030504030204" pitchFamily="34" charset="0"/>
-              </a:rPr>
-              <a:t>Nb </a:t>
-            </a:r>
-          </a:p>
-          <a:p>
-            <a:pPr algn="ctr"/>
-            <a:r>
-              <a:rPr lang="fr-FR" sz="1200" dirty="0">
-                <a:latin typeface="Arial Rounded MT Bold" panose="020F0704030504030204" pitchFamily="34" charset="0"/>
-              </a:rPr>
-              <a:t>votants</a:t>
-            </a:r>
-          </a:p>
-          <a:p>
-            <a:endParaRPr lang="fr-FR" sz="795" dirty="0"/>
-          </a:p>
-        </p:txBody>
-      </p:sp>
-      <p:sp>
-        <p:nvSpPr>
-          <p:cNvPr id="9" name="ZoneTexte 8">
-            <a:extLst>
-              <a:ext uri="{FF2B5EF4-FFF2-40B4-BE49-F238E27FC236}">
-                <a16:creationId xmlns:a16="http://schemas.microsoft.com/office/drawing/2014/main" id="{60E7AF34-93F4-CE03-591A-5EBA2EBC975E}"/>
-              </a:ext>
-            </a:extLst>
-          </p:cNvPr>
-          <p:cNvSpPr txBox="1"/>
-          <p:nvPr/>
-        </p:nvSpPr>
-        <p:spPr>
-          <a:xfrm rot="21235316">
-            <a:off x="4743994" y="5120174"/>
-            <a:ext cx="1324743" cy="850446"/>
-          </a:xfrm>
-          <a:prstGeom prst="roundRect">
-            <a:avLst/>
-          </a:prstGeom>
-          <a:solidFill>
-            <a:srgbClr val="AAFD5F"/>
-          </a:solidFill>
-          <a:ln w="28575">
-            <a:noFill/>
-          </a:ln>
-          <a:effectLst>
-            <a:outerShdw blurRad="50800" dist="38100" algn="l" rotWithShape="0">
-              <a:prstClr val="black">
-                <a:alpha val="40000"/>
-              </a:prstClr>
-            </a:outerShdw>
-          </a:effectLst>
-        </p:spPr>
-        <p:txBody>
-          <a:bodyPr wrap="square" rtlCol="0">
-            <a:spAutoFit/>
-          </a:bodyPr>
-          <a:lstStyle/>
-          <a:p>
-            <a:pPr algn="ctr"/>
-            <a:endParaRPr lang="fr-FR" sz="1200" b="1" dirty="0">
-              <a:latin typeface="Arial Rounded MT Bold" panose="020F0704030504030204" pitchFamily="34" charset="0"/>
-            </a:endParaRPr>
-          </a:p>
-          <a:p>
-            <a:pPr algn="ctr"/>
-            <a:r>
-              <a:rPr lang="fr-FR" sz="1200" b="1" dirty="0">
-                <a:latin typeface="Arial Rounded MT Bold" panose="020F0704030504030204" pitchFamily="34" charset="0"/>
-              </a:rPr>
-              <a:t>Résultats votes</a:t>
-            </a:r>
-          </a:p>
-          <a:p>
-            <a:endParaRPr lang="fr-FR" sz="795" dirty="0"/>
-          </a:p>
-        </p:txBody>
-      </p:sp>
-      <p:sp>
-        <p:nvSpPr>
-          <p:cNvPr id="11" name="ZoneTexte 10">
-            <a:extLst>
-              <a:ext uri="{FF2B5EF4-FFF2-40B4-BE49-F238E27FC236}">
-                <a16:creationId xmlns:a16="http://schemas.microsoft.com/office/drawing/2014/main" id="{A3EE5803-6360-066B-BDDC-BB3F51E0BE3F}"/>
-              </a:ext>
-            </a:extLst>
-          </p:cNvPr>
-          <p:cNvSpPr txBox="1"/>
-          <p:nvPr/>
-        </p:nvSpPr>
-        <p:spPr>
-          <a:xfrm>
-            <a:off x="0" y="1"/>
-            <a:ext cx="10691813" cy="246221"/>
+            <a:off x="0" y="0"/>
+            <a:ext cx="4020855" cy="307777"/>
           </a:xfrm>
           <a:prstGeom prst="rect">
             <a:avLst/>
@@ -3728,77 +3446,9 @@
           <a:lstStyle/>
           <a:p>
             <a:r>
-              <a:rPr lang="fr-FR" sz="1000" b="1" dirty="0"/>
-              <a:t>Dashboard admin</a:t>
-            </a:r>
-          </a:p>
-        </p:txBody>
-      </p:sp>
-      <p:sp>
-        <p:nvSpPr>
-          <p:cNvPr id="15" name="ZoneTexte 14">
-            <a:extLst>
-              <a:ext uri="{FF2B5EF4-FFF2-40B4-BE49-F238E27FC236}">
-                <a16:creationId xmlns:a16="http://schemas.microsoft.com/office/drawing/2014/main" id="{F354ED38-2AAB-0078-67F4-151149A1B8AE}"/>
-              </a:ext>
-            </a:extLst>
-          </p:cNvPr>
-          <p:cNvSpPr txBox="1"/>
-          <p:nvPr/>
-        </p:nvSpPr>
-        <p:spPr>
-          <a:xfrm rot="222273">
-            <a:off x="8568130" y="5539141"/>
-            <a:ext cx="1467422" cy="850446"/>
-          </a:xfrm>
-          <a:prstGeom prst="roundRect">
-            <a:avLst/>
-          </a:prstGeom>
-          <a:solidFill>
-            <a:srgbClr val="AAFD5F"/>
-          </a:solidFill>
-          <a:ln w="28575">
-            <a:noFill/>
-          </a:ln>
-          <a:effectLst>
-            <a:outerShdw blurRad="50800" dist="38100" algn="l" rotWithShape="0">
-              <a:prstClr val="black">
-                <a:alpha val="40000"/>
-              </a:prstClr>
-            </a:outerShdw>
-          </a:effectLst>
-        </p:spPr>
-        <p:txBody>
-          <a:bodyPr wrap="square" rtlCol="0">
-            <a:spAutoFit/>
-          </a:bodyPr>
-          <a:lstStyle/>
-          <a:p>
-            <a:pPr algn="ctr"/>
-            <a:endParaRPr lang="fr-FR" sz="1200" b="1" dirty="0">
-              <a:latin typeface="Arial Rounded MT Bold" panose="020F0704030504030204" pitchFamily="34" charset="0"/>
-            </a:endParaRPr>
-          </a:p>
-          <a:p>
-            <a:pPr algn="ctr"/>
-            <a:r>
-              <a:rPr lang="fr-FR" sz="1200" b="1" dirty="0">
-                <a:latin typeface="Arial Rounded MT Bold" panose="020F0704030504030204" pitchFamily="34" charset="0"/>
-              </a:rPr>
-              <a:t>Résultats </a:t>
-            </a:r>
-          </a:p>
-          <a:p>
-            <a:pPr algn="ctr"/>
-            <a:r>
-              <a:rPr lang="fr-FR" sz="1200" b="1" dirty="0">
-                <a:latin typeface="Arial Rounded MT Bold" panose="020F0704030504030204" pitchFamily="34" charset="0"/>
-              </a:rPr>
-              <a:t>finaux</a:t>
-            </a:r>
-          </a:p>
-          <a:p>
-            <a:endParaRPr lang="fr-FR" sz="795" dirty="0"/>
+              <a:rPr lang="fr-FR" sz="1400" dirty="0"/>
+              <a:t>Modale de connexion admin</a:t>
+            </a:r>
           </a:p>
         </p:txBody>
       </p:sp>
@@ -3807,7 +3457,7 @@
           <p:cNvPr id="3" name="Rectangle 2">
             <a:extLst>
               <a:ext uri="{FF2B5EF4-FFF2-40B4-BE49-F238E27FC236}">
-                <a16:creationId xmlns:a16="http://schemas.microsoft.com/office/drawing/2014/main" id="{CE39C151-D5CC-B8DF-1B57-825AAD3A5F1A}"/>
+                <a16:creationId xmlns:a16="http://schemas.microsoft.com/office/drawing/2014/main" id="{29953738-1C38-047A-D146-185C8D3A8EDD}"/>
               </a:ext>
             </a:extLst>
           </p:cNvPr>
@@ -3815,8 +3465,8 @@
           <p:nvPr/>
         </p:nvSpPr>
         <p:spPr>
-          <a:xfrm rot="282759">
-            <a:off x="235134" y="1789959"/>
+          <a:xfrm rot="21422728">
+            <a:off x="3216328" y="1464283"/>
             <a:ext cx="3600000" cy="3600000"/>
           </a:xfrm>
           <a:prstGeom prst="rect">
@@ -3863,10 +3513,10 @@
       </p:sp>
       <p:sp>
         <p:nvSpPr>
-          <p:cNvPr id="10" name="ZoneTexte 9">
+          <p:cNvPr id="4" name="ZoneTexte 3">
             <a:extLst>
               <a:ext uri="{FF2B5EF4-FFF2-40B4-BE49-F238E27FC236}">
-                <a16:creationId xmlns:a16="http://schemas.microsoft.com/office/drawing/2014/main" id="{ED2243FA-C87C-2A7A-95A4-2A6A142AF62E}"/>
+                <a16:creationId xmlns:a16="http://schemas.microsoft.com/office/drawing/2014/main" id="{BAAD06AE-EF01-7F7C-F026-05C4D8961E03}"/>
               </a:ext>
             </a:extLst>
           </p:cNvPr>
@@ -3874,178 +3524,9 @@
           <p:nvPr/>
         </p:nvSpPr>
         <p:spPr>
-          <a:xfrm>
-            <a:off x="494625" y="6708354"/>
-            <a:ext cx="1872247" cy="374571"/>
-          </a:xfrm>
-          <a:prstGeom prst="roundRect">
-            <a:avLst/>
-          </a:prstGeom>
-          <a:solidFill>
-            <a:srgbClr val="00B0DA"/>
-          </a:solidFill>
-          <a:ln w="28575">
-            <a:solidFill>
-              <a:schemeClr val="tx1"/>
-            </a:solidFill>
-          </a:ln>
-          <a:effectLst>
-            <a:outerShdw blurRad="50800" dist="38100" algn="l" rotWithShape="0">
-              <a:prstClr val="black">
-                <a:alpha val="40000"/>
-              </a:prstClr>
-            </a:outerShdw>
-          </a:effectLst>
-        </p:spPr>
-        <p:txBody>
-          <a:bodyPr wrap="square" rtlCol="0">
-            <a:spAutoFit/>
-          </a:bodyPr>
-          <a:lstStyle/>
-          <a:p>
-            <a:r>
-              <a:rPr lang="fr-FR" sz="1600" b="1" dirty="0"/>
-              <a:t>Lancement du vote</a:t>
-            </a:r>
-          </a:p>
-        </p:txBody>
-      </p:sp>
-      <p:sp>
-        <p:nvSpPr>
-          <p:cNvPr id="13" name="Rectangle 12">
-            <a:extLst>
-              <a:ext uri="{FF2B5EF4-FFF2-40B4-BE49-F238E27FC236}">
-                <a16:creationId xmlns:a16="http://schemas.microsoft.com/office/drawing/2014/main" id="{CE9A4BFB-A176-7BED-29B0-25499FB59026}"/>
-              </a:ext>
-            </a:extLst>
-          </p:cNvPr>
-          <p:cNvSpPr/>
-          <p:nvPr/>
-        </p:nvSpPr>
-        <p:spPr>
-          <a:xfrm rot="21284865">
-            <a:off x="6833256" y="1723379"/>
-            <a:ext cx="3600000" cy="3600000"/>
-          </a:xfrm>
-          <a:prstGeom prst="rect">
-            <a:avLst/>
-          </a:prstGeom>
-          <a:solidFill>
-            <a:srgbClr val="FE62FF"/>
-          </a:solidFill>
-          <a:ln w="28575">
-            <a:noFill/>
-          </a:ln>
-          <a:effectLst>
-            <a:outerShdw blurRad="50800" dist="38100" algn="l" rotWithShape="0">
-              <a:prstClr val="black">
-                <a:alpha val="40000"/>
-              </a:prstClr>
-            </a:outerShdw>
-          </a:effectLst>
-        </p:spPr>
-        <p:style>
-          <a:lnRef idx="2">
-            <a:schemeClr val="accent1">
-              <a:shade val="15000"/>
-            </a:schemeClr>
-          </a:lnRef>
-          <a:fillRef idx="1">
-            <a:schemeClr val="accent1"/>
-          </a:fillRef>
-          <a:effectRef idx="0">
-            <a:schemeClr val="accent1"/>
-          </a:effectRef>
-          <a:fontRef idx="minor">
-            <a:schemeClr val="lt1"/>
-          </a:fontRef>
-        </p:style>
-        <p:txBody>
-          <a:bodyPr rtlCol="0" anchor="ctr"/>
-          <a:lstStyle/>
-          <a:p>
-            <a:pPr algn="ctr"/>
-            <a:endParaRPr lang="fr-FR" sz="795"/>
-          </a:p>
-        </p:txBody>
-      </p:sp>
-      <p:sp>
-        <p:nvSpPr>
-          <p:cNvPr id="16" name="ZoneTexte 15">
-            <a:extLst>
-              <a:ext uri="{FF2B5EF4-FFF2-40B4-BE49-F238E27FC236}">
-                <a16:creationId xmlns:a16="http://schemas.microsoft.com/office/drawing/2014/main" id="{06A7E99D-D57E-2AB7-103A-00BAC78EDC8B}"/>
-              </a:ext>
-            </a:extLst>
-          </p:cNvPr>
-          <p:cNvSpPr txBox="1"/>
-          <p:nvPr/>
-        </p:nvSpPr>
-        <p:spPr>
-          <a:xfrm rot="21245740">
-            <a:off x="6890465" y="1833351"/>
-            <a:ext cx="2029326" cy="830997"/>
-          </a:xfrm>
-          <a:prstGeom prst="rect">
-            <a:avLst/>
-          </a:prstGeom>
-          <a:noFill/>
-          <a:ln>
-            <a:noFill/>
-          </a:ln>
-        </p:spPr>
-        <p:txBody>
-          <a:bodyPr wrap="square" rtlCol="0">
-            <a:spAutoFit/>
-          </a:bodyPr>
-          <a:lstStyle/>
-          <a:p>
-            <a:endParaRPr lang="fr-FR" sz="1200" dirty="0">
-              <a:latin typeface="Arial Rounded MT Bold" panose="020F0704030504030204" pitchFamily="34" charset="0"/>
-            </a:endParaRPr>
-          </a:p>
-          <a:p>
-            <a:r>
-              <a:rPr lang="fr-FR" sz="1200" dirty="0">
-                <a:latin typeface="Arial Rounded MT Bold" panose="020F0704030504030204" pitchFamily="34" charset="0"/>
-              </a:rPr>
-              <a:t>Nom équipe : </a:t>
-            </a:r>
-          </a:p>
-          <a:p>
-            <a:r>
-              <a:rPr lang="fr-FR" sz="1200" dirty="0">
-                <a:latin typeface="Arial Rounded MT Bold" panose="020F0704030504030204" pitchFamily="34" charset="0"/>
-              </a:rPr>
-              <a:t>Délégué : Prénom Nom</a:t>
-            </a:r>
-          </a:p>
-          <a:p>
-            <a:r>
-              <a:rPr lang="fr-FR" sz="1200" dirty="0">
-                <a:latin typeface="Arial Rounded MT Bold" panose="020F0704030504030204" pitchFamily="34" charset="0"/>
-              </a:rPr>
-              <a:t>Suppléant : Prénom Nom </a:t>
-            </a:r>
-          </a:p>
-        </p:txBody>
-      </p:sp>
-      <p:sp>
-        <p:nvSpPr>
-          <p:cNvPr id="17" name="ZoneTexte 16">
-            <a:extLst>
-              <a:ext uri="{FF2B5EF4-FFF2-40B4-BE49-F238E27FC236}">
-                <a16:creationId xmlns:a16="http://schemas.microsoft.com/office/drawing/2014/main" id="{84AA30E1-0DAC-3FEA-6112-B0E819614B9B}"/>
-              </a:ext>
-            </a:extLst>
-          </p:cNvPr>
-          <p:cNvSpPr txBox="1"/>
-          <p:nvPr/>
-        </p:nvSpPr>
-        <p:spPr>
-          <a:xfrm rot="190739">
-            <a:off x="8280320" y="2655070"/>
-            <a:ext cx="2043042" cy="646331"/>
+          <a:xfrm rot="21433123">
+            <a:off x="6155593" y="4664947"/>
+            <a:ext cx="743015" cy="307777"/>
           </a:xfrm>
           <a:prstGeom prst="rect">
             <a:avLst/>
@@ -4068,37 +3549,22 @@
           </a:bodyPr>
           <a:lstStyle/>
           <a:p>
-            <a:r>
-              <a:rPr lang="fr-FR" sz="1200" dirty="0">
-                <a:latin typeface="Arial Rounded MT Bold" panose="020F0704030504030204" pitchFamily="34" charset="0"/>
-              </a:rPr>
-              <a:t>Nom équipe :</a:t>
-            </a:r>
-          </a:p>
-          <a:p>
-            <a:r>
-              <a:rPr lang="fr-FR" sz="1200" dirty="0">
-                <a:latin typeface="Arial Rounded MT Bold" panose="020F0704030504030204" pitchFamily="34" charset="0"/>
-              </a:rPr>
-              <a:t>Délégué : Prénom Nom</a:t>
-            </a:r>
-          </a:p>
-          <a:p>
-            <a:r>
-              <a:rPr lang="fr-FR" sz="1200" dirty="0">
-                <a:latin typeface="Arial Rounded MT Bold" panose="020F0704030504030204" pitchFamily="34" charset="0"/>
-              </a:rPr>
-              <a:t>Suppléant : Prénom Nom </a:t>
-            </a:r>
-          </a:p>
-        </p:txBody>
-      </p:sp>
-      <p:sp>
-        <p:nvSpPr>
-          <p:cNvPr id="20" name="ZoneTexte 19">
+            <a:pPr algn="ctr"/>
+            <a:r>
+              <a:rPr lang="fr-FR" sz="1400" b="1" dirty="0">
+                <a:latin typeface="Arial Rounded MT Bold" panose="020F0704030504030204" pitchFamily="34" charset="0"/>
+              </a:rPr>
+              <a:t>v  x</a:t>
+            </a:r>
+          </a:p>
+        </p:txBody>
+      </p:sp>
+      <p:sp>
+        <p:nvSpPr>
+          <p:cNvPr id="5" name="ZoneTexte 4">
             <a:extLst>
               <a:ext uri="{FF2B5EF4-FFF2-40B4-BE49-F238E27FC236}">
-                <a16:creationId xmlns:a16="http://schemas.microsoft.com/office/drawing/2014/main" id="{67103BB5-4726-690D-0AFD-7DF2FC19194E}"/>
+                <a16:creationId xmlns:a16="http://schemas.microsoft.com/office/drawing/2014/main" id="{7C8C7040-DE6A-5D59-37A3-D86C96BA4F04}"/>
               </a:ext>
             </a:extLst>
           </p:cNvPr>
@@ -4106,24 +3572,14 @@
           <p:nvPr/>
         </p:nvSpPr>
         <p:spPr>
-          <a:xfrm rot="21135576">
-            <a:off x="545035" y="2172498"/>
-            <a:ext cx="1415035" cy="461665"/>
+          <a:xfrm rot="21378689">
+            <a:off x="3770334" y="2267211"/>
+            <a:ext cx="2542784" cy="276999"/>
           </a:xfrm>
           <a:prstGeom prst="rect">
             <a:avLst/>
           </a:prstGeom>
           <a:noFill/>
-          <a:ln>
-            <a:noFill/>
-          </a:ln>
-          <a:effectLst>
-            <a:outerShdw blurRad="50800" dist="38100" algn="l" rotWithShape="0">
-              <a:prstClr val="black">
-                <a:alpha val="40000"/>
-              </a:prstClr>
-            </a:outerShdw>
-          </a:effectLst>
         </p:spPr>
         <p:txBody>
           <a:bodyPr wrap="square" rtlCol="0">
@@ -4133,33 +3589,19 @@
           <a:p>
             <a:r>
               <a:rPr lang="fr-FR" sz="1200" dirty="0">
-                <a:solidFill>
-                  <a:srgbClr val="2643BC"/>
-                </a:solidFill>
-                <a:latin typeface="Arial Rounded MT Bold" panose="020F0704030504030204" pitchFamily="34" charset="0"/>
-              </a:rPr>
-              <a:t>Prénom Nom</a:t>
-            </a:r>
-          </a:p>
-          <a:p>
-            <a:r>
-              <a:rPr lang="fr-FR" sz="1200" dirty="0">
-                <a:solidFill>
-                  <a:srgbClr val="2643BC"/>
-                </a:solidFill>
-                <a:latin typeface="Arial Rounded MT Bold" panose="020F0704030504030204" pitchFamily="34" charset="0"/>
-              </a:rPr>
-              <a:t>Email</a:t>
-            </a:r>
-          </a:p>
-        </p:txBody>
-      </p:sp>
-      <p:sp>
-        <p:nvSpPr>
-          <p:cNvPr id="21" name="ZoneTexte 20">
+                <a:latin typeface="Arial Rounded MT Bold" panose="020F0704030504030204" pitchFamily="34" charset="0"/>
+              </a:rPr>
+              <a:t>Identifiant : </a:t>
+            </a:r>
+          </a:p>
+        </p:txBody>
+      </p:sp>
+      <p:sp>
+        <p:nvSpPr>
+          <p:cNvPr id="6" name="ZoneTexte 5">
             <a:extLst>
               <a:ext uri="{FF2B5EF4-FFF2-40B4-BE49-F238E27FC236}">
-                <a16:creationId xmlns:a16="http://schemas.microsoft.com/office/drawing/2014/main" id="{6446DE16-70EE-A1A9-4BB0-58B6FF5A15A2}"/>
+                <a16:creationId xmlns:a16="http://schemas.microsoft.com/office/drawing/2014/main" id="{B590600C-8B16-2A0B-272E-1245A9625EA7}"/>
               </a:ext>
             </a:extLst>
           </p:cNvPr>
@@ -4167,24 +3609,14 @@
           <p:nvPr/>
         </p:nvSpPr>
         <p:spPr>
-          <a:xfrm rot="353391">
-            <a:off x="2307739" y="2368670"/>
-            <a:ext cx="1415035" cy="461665"/>
+          <a:xfrm rot="21378689">
+            <a:off x="3770335" y="2774073"/>
+            <a:ext cx="2542784" cy="276999"/>
           </a:xfrm>
           <a:prstGeom prst="rect">
             <a:avLst/>
           </a:prstGeom>
           <a:noFill/>
-          <a:ln>
-            <a:noFill/>
-          </a:ln>
-          <a:effectLst>
-            <a:outerShdw blurRad="50800" dist="38100" algn="l" rotWithShape="0">
-              <a:prstClr val="black">
-                <a:alpha val="40000"/>
-              </a:prstClr>
-            </a:outerShdw>
-          </a:effectLst>
         </p:spPr>
         <p:txBody>
           <a:bodyPr wrap="square" rtlCol="0">
@@ -4194,390 +3626,103 @@
           <a:p>
             <a:r>
               <a:rPr lang="fr-FR" sz="1200" dirty="0">
-                <a:solidFill>
-                  <a:srgbClr val="2643BC"/>
-                </a:solidFill>
-                <a:latin typeface="Arial Rounded MT Bold" panose="020F0704030504030204" pitchFamily="34" charset="0"/>
-              </a:rPr>
-              <a:t>Prénom Nom</a:t>
-            </a:r>
-          </a:p>
-          <a:p>
-            <a:r>
-              <a:rPr lang="fr-FR" sz="1200" dirty="0">
-                <a:solidFill>
-                  <a:srgbClr val="2643BC"/>
-                </a:solidFill>
-                <a:latin typeface="Arial Rounded MT Bold" panose="020F0704030504030204" pitchFamily="34" charset="0"/>
-              </a:rPr>
-              <a:t>Email</a:t>
-            </a:r>
-          </a:p>
-        </p:txBody>
-      </p:sp>
-      <p:sp>
-        <p:nvSpPr>
-          <p:cNvPr id="22" name="ZoneTexte 21">
+                <a:latin typeface="Arial Rounded MT Bold" panose="020F0704030504030204" pitchFamily="34" charset="0"/>
+              </a:rPr>
+              <a:t>Mot de passe : </a:t>
+            </a:r>
+          </a:p>
+        </p:txBody>
+      </p:sp>
+      <p:cxnSp>
+        <p:nvCxnSpPr>
+          <p:cNvPr id="8" name="Connecteur droit 7">
             <a:extLst>
               <a:ext uri="{FF2B5EF4-FFF2-40B4-BE49-F238E27FC236}">
-                <a16:creationId xmlns:a16="http://schemas.microsoft.com/office/drawing/2014/main" id="{1521AACB-6B33-9CCE-BE38-2793FF309FAC}"/>
+                <a16:creationId xmlns:a16="http://schemas.microsoft.com/office/drawing/2014/main" id="{92116D71-7DE1-24D4-3CAB-3F47F32C70B1}"/>
               </a:ext>
             </a:extLst>
           </p:cNvPr>
-          <p:cNvSpPr txBox="1"/>
+          <p:cNvCxnSpPr>
+            <a:cxnSpLocks/>
+          </p:cNvCxnSpPr>
           <p:nvPr/>
-        </p:nvSpPr>
-        <p:spPr>
-          <a:xfrm rot="352655">
-            <a:off x="1303921" y="4875492"/>
-            <a:ext cx="743015" cy="400110"/>
-          </a:xfrm>
-          <a:prstGeom prst="rect">
+        </p:nvCxnSpPr>
+        <p:spPr>
+          <a:xfrm flipV="1">
+            <a:off x="4872625" y="2355606"/>
+            <a:ext cx="1446770" cy="113447"/>
+          </a:xfrm>
+          <a:prstGeom prst="line">
             <a:avLst/>
           </a:prstGeom>
-          <a:noFill/>
           <a:ln>
-            <a:noFill/>
+            <a:solidFill>
+              <a:schemeClr val="tx1"/>
+            </a:solidFill>
           </a:ln>
-          <a:effectLst>
-            <a:outerShdw blurRad="50800" dist="38100" algn="l" rotWithShape="0">
-              <a:prstClr val="black">
-                <a:alpha val="40000"/>
-              </a:prstClr>
-            </a:outerShdw>
-          </a:effectLst>
-        </p:spPr>
-        <p:txBody>
-          <a:bodyPr wrap="square" rtlCol="0">
-            <a:spAutoFit/>
-          </a:bodyPr>
-          <a:lstStyle/>
-          <a:p>
-            <a:pPr algn="ctr"/>
-            <a:r>
-              <a:rPr lang="fr-FR" sz="2000" b="1" dirty="0">
-                <a:latin typeface="Arial Rounded MT Bold" panose="020F0704030504030204" pitchFamily="34" charset="0"/>
-              </a:rPr>
-              <a:t>+  x</a:t>
-            </a:r>
-          </a:p>
-        </p:txBody>
-      </p:sp>
-      <p:sp>
-        <p:nvSpPr>
-          <p:cNvPr id="24" name="ZoneTexte 23">
+        </p:spPr>
+        <p:style>
+          <a:lnRef idx="1">
+            <a:schemeClr val="accent1"/>
+          </a:lnRef>
+          <a:fillRef idx="0">
+            <a:schemeClr val="accent1"/>
+          </a:fillRef>
+          <a:effectRef idx="0">
+            <a:schemeClr val="accent1"/>
+          </a:effectRef>
+          <a:fontRef idx="minor">
+            <a:schemeClr val="tx1"/>
+          </a:fontRef>
+        </p:style>
+      </p:cxnSp>
+      <p:cxnSp>
+        <p:nvCxnSpPr>
+          <p:cNvPr id="10" name="Connecteur droit 9">
             <a:extLst>
               <a:ext uri="{FF2B5EF4-FFF2-40B4-BE49-F238E27FC236}">
-                <a16:creationId xmlns:a16="http://schemas.microsoft.com/office/drawing/2014/main" id="{7E761811-639A-9523-B24E-580BDB77E048}"/>
+                <a16:creationId xmlns:a16="http://schemas.microsoft.com/office/drawing/2014/main" id="{32AB5904-48A3-A5FB-0A1F-F1927685FE39}"/>
               </a:ext>
             </a:extLst>
           </p:cNvPr>
-          <p:cNvSpPr txBox="1"/>
+          <p:cNvCxnSpPr>
+            <a:cxnSpLocks/>
+          </p:cNvCxnSpPr>
           <p:nvPr/>
-        </p:nvSpPr>
-        <p:spPr>
-          <a:xfrm>
-            <a:off x="803990" y="324387"/>
-            <a:ext cx="9083832" cy="584775"/>
-          </a:xfrm>
-          <a:prstGeom prst="rect">
+        </p:nvCxnSpPr>
+        <p:spPr>
+          <a:xfrm flipV="1">
+            <a:off x="5080330" y="2897052"/>
+            <a:ext cx="1446770" cy="113447"/>
+          </a:xfrm>
+          <a:prstGeom prst="line">
             <a:avLst/>
           </a:prstGeom>
-          <a:noFill/>
-        </p:spPr>
-        <p:txBody>
-          <a:bodyPr wrap="square" rtlCol="0">
-            <a:spAutoFit/>
-          </a:bodyPr>
-          <a:lstStyle/>
-          <a:p>
-            <a:r>
-              <a:rPr lang="fr-FR" sz="3200" dirty="0">
-                <a:latin typeface="Arial Rounded MT Bold" panose="020F0704030504030204" pitchFamily="34" charset="0"/>
-              </a:rPr>
-              <a:t>Création de session d’élection des délégués</a:t>
-            </a:r>
-          </a:p>
-        </p:txBody>
-      </p:sp>
-      <p:sp>
-        <p:nvSpPr>
-          <p:cNvPr id="14" name="ZoneTexte 13">
-            <a:extLst>
-              <a:ext uri="{FF2B5EF4-FFF2-40B4-BE49-F238E27FC236}">
-                <a16:creationId xmlns:a16="http://schemas.microsoft.com/office/drawing/2014/main" id="{CE33C6A0-F825-9EEA-0E12-9212FFD74751}"/>
-              </a:ext>
-            </a:extLst>
-          </p:cNvPr>
-          <p:cNvSpPr txBox="1"/>
-          <p:nvPr/>
-        </p:nvSpPr>
-        <p:spPr>
-          <a:xfrm rot="21329652">
-            <a:off x="9958834" y="1579599"/>
-            <a:ext cx="357781" cy="400110"/>
-          </a:xfrm>
-          <a:prstGeom prst="rect">
-            <a:avLst/>
-          </a:prstGeom>
-          <a:noFill/>
-        </p:spPr>
-        <p:txBody>
-          <a:bodyPr wrap="square" rtlCol="0">
-            <a:spAutoFit/>
-          </a:bodyPr>
-          <a:lstStyle/>
-          <a:p>
-            <a:r>
-              <a:rPr lang="fr-FR" sz="2000" b="1" dirty="0">
-                <a:latin typeface="Arial Rounded MT Bold" panose="020F0704030504030204" pitchFamily="34" charset="0"/>
-              </a:rPr>
-              <a:t>x</a:t>
-            </a:r>
-          </a:p>
-        </p:txBody>
-      </p:sp>
-      <p:sp>
-        <p:nvSpPr>
-          <p:cNvPr id="18" name="ZoneTexte 17">
-            <a:extLst>
-              <a:ext uri="{FF2B5EF4-FFF2-40B4-BE49-F238E27FC236}">
-                <a16:creationId xmlns:a16="http://schemas.microsoft.com/office/drawing/2014/main" id="{3F17E11A-C918-AF38-D1E0-ED13F58C2767}"/>
-              </a:ext>
-            </a:extLst>
-          </p:cNvPr>
-          <p:cNvSpPr txBox="1"/>
-          <p:nvPr/>
-        </p:nvSpPr>
-        <p:spPr>
-          <a:xfrm rot="530654">
-            <a:off x="3583208" y="1872050"/>
-            <a:ext cx="357781" cy="400110"/>
-          </a:xfrm>
-          <a:prstGeom prst="rect">
-            <a:avLst/>
-          </a:prstGeom>
-          <a:noFill/>
-        </p:spPr>
-        <p:txBody>
-          <a:bodyPr wrap="square" rtlCol="0">
-            <a:spAutoFit/>
-          </a:bodyPr>
-          <a:lstStyle/>
-          <a:p>
-            <a:r>
-              <a:rPr lang="fr-FR" sz="2000" b="1" dirty="0">
-                <a:latin typeface="Arial Rounded MT Bold" panose="020F0704030504030204" pitchFamily="34" charset="0"/>
-              </a:rPr>
-              <a:t>x</a:t>
-            </a:r>
-          </a:p>
-        </p:txBody>
-      </p:sp>
-      <p:sp>
-        <p:nvSpPr>
-          <p:cNvPr id="2" name="ZoneTexte 1">
-            <a:extLst>
-              <a:ext uri="{FF2B5EF4-FFF2-40B4-BE49-F238E27FC236}">
-                <a16:creationId xmlns:a16="http://schemas.microsoft.com/office/drawing/2014/main" id="{7E615C79-AA88-CA95-30E1-79F131948D9C}"/>
-              </a:ext>
-            </a:extLst>
-          </p:cNvPr>
-          <p:cNvSpPr txBox="1"/>
-          <p:nvPr/>
-        </p:nvSpPr>
-        <p:spPr>
-          <a:xfrm rot="21186132">
-            <a:off x="8375754" y="4869315"/>
-            <a:ext cx="743015" cy="400110"/>
-          </a:xfrm>
-          <a:prstGeom prst="rect">
-            <a:avLst/>
-          </a:prstGeom>
-          <a:noFill/>
           <a:ln>
-            <a:noFill/>
+            <a:solidFill>
+              <a:schemeClr val="tx1"/>
+            </a:solidFill>
           </a:ln>
-          <a:effectLst>
-            <a:outerShdw blurRad="50800" dist="38100" algn="l" rotWithShape="0">
-              <a:prstClr val="black">
-                <a:alpha val="40000"/>
-              </a:prstClr>
-            </a:outerShdw>
-          </a:effectLst>
-        </p:spPr>
-        <p:txBody>
-          <a:bodyPr wrap="square" rtlCol="0">
-            <a:spAutoFit/>
-          </a:bodyPr>
-          <a:lstStyle/>
-          <a:p>
-            <a:pPr algn="ctr"/>
-            <a:r>
-              <a:rPr lang="fr-FR" sz="2000" b="1" dirty="0">
-                <a:latin typeface="Arial Rounded MT Bold" panose="020F0704030504030204" pitchFamily="34" charset="0"/>
-              </a:rPr>
-              <a:t>+  x</a:t>
-            </a:r>
-          </a:p>
-        </p:txBody>
-      </p:sp>
-      <p:sp>
-        <p:nvSpPr>
-          <p:cNvPr id="7" name="ZoneTexte 6">
-            <a:extLst>
-              <a:ext uri="{FF2B5EF4-FFF2-40B4-BE49-F238E27FC236}">
-                <a16:creationId xmlns:a16="http://schemas.microsoft.com/office/drawing/2014/main" id="{7F1CBC2F-2F79-85EC-D409-F0BDDE894676}"/>
-              </a:ext>
-            </a:extLst>
-          </p:cNvPr>
-          <p:cNvSpPr txBox="1"/>
-          <p:nvPr/>
-        </p:nvSpPr>
-        <p:spPr>
-          <a:xfrm rot="21405541">
-            <a:off x="4233283" y="898109"/>
-            <a:ext cx="2755725" cy="923330"/>
-          </a:xfrm>
-          <a:prstGeom prst="rect">
-            <a:avLst/>
-          </a:prstGeom>
-          <a:solidFill>
-            <a:srgbClr val="CDACE6"/>
-          </a:solidFill>
-          <a:ln>
-            <a:noFill/>
-          </a:ln>
-          <a:effectLst>
-            <a:outerShdw blurRad="50800" dist="38100" dir="2700000" algn="tl" rotWithShape="0">
-              <a:prstClr val="black">
-                <a:alpha val="40000"/>
-              </a:prstClr>
-            </a:outerShdw>
-          </a:effectLst>
-        </p:spPr>
-        <p:txBody>
-          <a:bodyPr wrap="square" rtlCol="0">
-            <a:spAutoFit/>
-          </a:bodyPr>
-          <a:lstStyle/>
-          <a:p>
-            <a:r>
-              <a:rPr lang="fr-FR" dirty="0">
-                <a:latin typeface="Arial Rounded MT Bold" panose="020F0704030504030204" pitchFamily="34" charset="0"/>
-              </a:rPr>
-              <a:t>Formation : </a:t>
-            </a:r>
-          </a:p>
-          <a:p>
-            <a:r>
-              <a:rPr lang="fr-FR" dirty="0">
-                <a:latin typeface="Arial Rounded MT Bold" panose="020F0704030504030204" pitchFamily="34" charset="0"/>
-              </a:rPr>
-              <a:t>Session :</a:t>
-            </a:r>
-            <a:r>
-              <a:rPr lang="fr-FR" dirty="0"/>
-              <a:t>		</a:t>
-            </a:r>
-          </a:p>
-          <a:p>
-            <a:r>
-              <a:rPr lang="fr-FR" dirty="0"/>
-              <a:t>	</a:t>
-            </a:r>
-          </a:p>
-        </p:txBody>
-      </p:sp>
-      <p:sp>
-        <p:nvSpPr>
-          <p:cNvPr id="12" name="ZoneTexte 11">
-            <a:extLst>
-              <a:ext uri="{FF2B5EF4-FFF2-40B4-BE49-F238E27FC236}">
-                <a16:creationId xmlns:a16="http://schemas.microsoft.com/office/drawing/2014/main" id="{09F5F059-351C-F4A9-CF29-D27C64E82C81}"/>
-              </a:ext>
-            </a:extLst>
-          </p:cNvPr>
-          <p:cNvSpPr txBox="1"/>
-          <p:nvPr/>
-        </p:nvSpPr>
-        <p:spPr>
-          <a:xfrm rot="21405541">
-            <a:off x="6227460" y="1433232"/>
-            <a:ext cx="743015" cy="307777"/>
-          </a:xfrm>
-          <a:prstGeom prst="rect">
-            <a:avLst/>
-          </a:prstGeom>
-          <a:noFill/>
-          <a:ln>
-            <a:noFill/>
-          </a:ln>
-          <a:effectLst>
-            <a:outerShdw blurRad="50800" dist="38100" algn="l" rotWithShape="0">
-              <a:prstClr val="black">
-                <a:alpha val="40000"/>
-              </a:prstClr>
-            </a:outerShdw>
-          </a:effectLst>
-        </p:spPr>
-        <p:txBody>
-          <a:bodyPr wrap="square" rtlCol="0">
-            <a:spAutoFit/>
-          </a:bodyPr>
-          <a:lstStyle/>
-          <a:p>
-            <a:pPr algn="ctr"/>
-            <a:r>
-              <a:rPr lang="fr-FR" sz="1400" b="1" dirty="0">
-                <a:latin typeface="Arial Rounded MT Bold" panose="020F0704030504030204" pitchFamily="34" charset="0"/>
-              </a:rPr>
-              <a:t>v  x</a:t>
-            </a:r>
-          </a:p>
-        </p:txBody>
-      </p:sp>
-      <p:sp>
-        <p:nvSpPr>
-          <p:cNvPr id="31" name="ZoneTexte 30">
-            <a:extLst>
-              <a:ext uri="{FF2B5EF4-FFF2-40B4-BE49-F238E27FC236}">
-                <a16:creationId xmlns:a16="http://schemas.microsoft.com/office/drawing/2014/main" id="{A8AB80E1-FDC7-538D-6F37-E2222929435C}"/>
-              </a:ext>
-            </a:extLst>
-          </p:cNvPr>
-          <p:cNvSpPr txBox="1"/>
-          <p:nvPr/>
-        </p:nvSpPr>
-        <p:spPr>
-          <a:xfrm rot="21296926">
-            <a:off x="9768553" y="5507098"/>
-            <a:ext cx="337820" cy="523220"/>
-          </a:xfrm>
-          <a:prstGeom prst="rect">
-            <a:avLst/>
-          </a:prstGeom>
-          <a:noFill/>
-        </p:spPr>
-        <p:txBody>
-          <a:bodyPr wrap="square" rtlCol="0">
-            <a:spAutoFit/>
-          </a:bodyPr>
-          <a:lstStyle/>
-          <a:p>
-            <a:r>
-              <a:rPr lang="fr-FR" sz="1400" dirty="0">
-                <a:latin typeface="Arial Rounded MT Bold" panose="020F0704030504030204" pitchFamily="34" charset="0"/>
-              </a:rPr>
-              <a:t> +     x</a:t>
-            </a:r>
-          </a:p>
-        </p:txBody>
-      </p:sp>
+        </p:spPr>
+        <p:style>
+          <a:lnRef idx="1">
+            <a:schemeClr val="accent1"/>
+          </a:lnRef>
+          <a:fillRef idx="0">
+            <a:schemeClr val="accent1"/>
+          </a:fillRef>
+          <a:effectRef idx="0">
+            <a:schemeClr val="accent1"/>
+          </a:effectRef>
+          <a:fontRef idx="minor">
+            <a:schemeClr val="tx1"/>
+          </a:fontRef>
+        </p:style>
+      </p:cxnSp>
     </p:spTree>
     <p:extLst>
       <p:ext uri="{BB962C8B-B14F-4D97-AF65-F5344CB8AC3E}">
-        <p14:creationId xmlns:p14="http://schemas.microsoft.com/office/powerpoint/2010/main" val="1534491767"/>
+        <p14:creationId xmlns:p14="http://schemas.microsoft.com/office/powerpoint/2010/main" val="2508669252"/>
       </p:ext>
     </p:extLst>
   </p:cSld>
@@ -4614,10 +3759,388 @@
       </p:grpSpPr>
       <p:sp>
         <p:nvSpPr>
-          <p:cNvPr id="25" name="Rectangle 24">
+          <p:cNvPr id="4" name="ZoneTexte 3">
             <a:extLst>
               <a:ext uri="{FF2B5EF4-FFF2-40B4-BE49-F238E27FC236}">
-                <a16:creationId xmlns:a16="http://schemas.microsoft.com/office/drawing/2014/main" id="{FF06F4B2-671B-282D-31BB-0C35DFB8C2FE}"/>
+                <a16:creationId xmlns:a16="http://schemas.microsoft.com/office/drawing/2014/main" id="{6D9A3252-5BAF-6E7A-0D67-0F52C6739594}"/>
+              </a:ext>
+            </a:extLst>
+          </p:cNvPr>
+          <p:cNvSpPr txBox="1"/>
+          <p:nvPr/>
+        </p:nvSpPr>
+        <p:spPr>
+          <a:xfrm>
+            <a:off x="3436724" y="6708353"/>
+            <a:ext cx="1265969" cy="374571"/>
+          </a:xfrm>
+          <a:prstGeom prst="roundRect">
+            <a:avLst/>
+          </a:prstGeom>
+          <a:solidFill>
+            <a:srgbClr val="00B0DA"/>
+          </a:solidFill>
+          <a:ln w="28575">
+            <a:solidFill>
+              <a:schemeClr val="tx1"/>
+            </a:solidFill>
+          </a:ln>
+          <a:effectLst>
+            <a:outerShdw blurRad="50800" dist="38100" algn="l" rotWithShape="0">
+              <a:prstClr val="black">
+                <a:alpha val="40000"/>
+              </a:prstClr>
+            </a:outerShdw>
+          </a:effectLst>
+        </p:spPr>
+        <p:txBody>
+          <a:bodyPr wrap="square" rtlCol="0">
+            <a:spAutoFit/>
+          </a:bodyPr>
+          <a:lstStyle/>
+          <a:p>
+            <a:r>
+              <a:rPr lang="fr-FR" sz="1600" b="1" dirty="0"/>
+              <a:t>Fin du vote</a:t>
+            </a:r>
+          </a:p>
+        </p:txBody>
+      </p:sp>
+      <p:sp>
+        <p:nvSpPr>
+          <p:cNvPr id="5" name="ZoneTexte 4">
+            <a:extLst>
+              <a:ext uri="{FF2B5EF4-FFF2-40B4-BE49-F238E27FC236}">
+                <a16:creationId xmlns:a16="http://schemas.microsoft.com/office/drawing/2014/main" id="{74509625-7DB5-D800-DB79-69C36FF75198}"/>
+              </a:ext>
+            </a:extLst>
+          </p:cNvPr>
+          <p:cNvSpPr txBox="1"/>
+          <p:nvPr/>
+        </p:nvSpPr>
+        <p:spPr>
+          <a:xfrm>
+            <a:off x="5887904" y="6715283"/>
+            <a:ext cx="1640900" cy="374571"/>
+          </a:xfrm>
+          <a:prstGeom prst="roundRect">
+            <a:avLst/>
+          </a:prstGeom>
+          <a:solidFill>
+            <a:srgbClr val="00B0DA"/>
+          </a:solidFill>
+          <a:ln w="28575">
+            <a:solidFill>
+              <a:schemeClr val="tx1"/>
+            </a:solidFill>
+          </a:ln>
+          <a:effectLst>
+            <a:outerShdw blurRad="50800" dist="38100" algn="l" rotWithShape="0">
+              <a:prstClr val="black">
+                <a:alpha val="40000"/>
+              </a:prstClr>
+            </a:outerShdw>
+          </a:effectLst>
+        </p:spPr>
+        <p:txBody>
+          <a:bodyPr wrap="square" rtlCol="0">
+            <a:spAutoFit/>
+          </a:bodyPr>
+          <a:lstStyle/>
+          <a:p>
+            <a:pPr algn="ctr"/>
+            <a:r>
+              <a:rPr lang="fr-FR" sz="1600" b="1" dirty="0"/>
+              <a:t>Relance du vote</a:t>
+            </a:r>
+          </a:p>
+        </p:txBody>
+      </p:sp>
+      <p:sp>
+        <p:nvSpPr>
+          <p:cNvPr id="6" name="ZoneTexte 5">
+            <a:extLst>
+              <a:ext uri="{FF2B5EF4-FFF2-40B4-BE49-F238E27FC236}">
+                <a16:creationId xmlns:a16="http://schemas.microsoft.com/office/drawing/2014/main" id="{79687EA7-FE46-A6F9-84C9-57E9FE51F90E}"/>
+              </a:ext>
+            </a:extLst>
+          </p:cNvPr>
+          <p:cNvSpPr txBox="1"/>
+          <p:nvPr/>
+        </p:nvSpPr>
+        <p:spPr>
+          <a:xfrm>
+            <a:off x="8633257" y="6708354"/>
+            <a:ext cx="1437770" cy="374571"/>
+          </a:xfrm>
+          <a:prstGeom prst="roundRect">
+            <a:avLst/>
+          </a:prstGeom>
+          <a:solidFill>
+            <a:srgbClr val="00B0DA"/>
+          </a:solidFill>
+          <a:ln w="28575">
+            <a:solidFill>
+              <a:schemeClr val="tx1"/>
+            </a:solidFill>
+          </a:ln>
+          <a:effectLst>
+            <a:outerShdw blurRad="50800" dist="38100" algn="l" rotWithShape="0">
+              <a:prstClr val="black">
+                <a:alpha val="40000"/>
+              </a:prstClr>
+            </a:outerShdw>
+          </a:effectLst>
+        </p:spPr>
+        <p:txBody>
+          <a:bodyPr wrap="square" rtlCol="0">
+            <a:spAutoFit/>
+          </a:bodyPr>
+          <a:lstStyle/>
+          <a:p>
+            <a:r>
+              <a:rPr lang="fr-FR" sz="1600" b="1" dirty="0"/>
+              <a:t>Fin du scrutin</a:t>
+            </a:r>
+          </a:p>
+        </p:txBody>
+      </p:sp>
+      <p:sp>
+        <p:nvSpPr>
+          <p:cNvPr id="8" name="ZoneTexte 7">
+            <a:extLst>
+              <a:ext uri="{FF2B5EF4-FFF2-40B4-BE49-F238E27FC236}">
+                <a16:creationId xmlns:a16="http://schemas.microsoft.com/office/drawing/2014/main" id="{FC04B9BF-2C70-1764-D944-F6B502FB06F1}"/>
+              </a:ext>
+            </a:extLst>
+          </p:cNvPr>
+          <p:cNvSpPr txBox="1"/>
+          <p:nvPr/>
+        </p:nvSpPr>
+        <p:spPr>
+          <a:xfrm rot="186044">
+            <a:off x="930519" y="5574870"/>
+            <a:ext cx="1112763" cy="850446"/>
+          </a:xfrm>
+          <a:prstGeom prst="roundRect">
+            <a:avLst/>
+          </a:prstGeom>
+          <a:solidFill>
+            <a:srgbClr val="AAFD5F"/>
+          </a:solidFill>
+          <a:ln w="28575">
+            <a:noFill/>
+          </a:ln>
+          <a:effectLst>
+            <a:outerShdw blurRad="50800" dist="38100" algn="l" rotWithShape="0">
+              <a:prstClr val="black">
+                <a:alpha val="40000"/>
+              </a:prstClr>
+            </a:outerShdw>
+          </a:effectLst>
+        </p:spPr>
+        <p:txBody>
+          <a:bodyPr wrap="square" rtlCol="0" anchor="ctr">
+            <a:spAutoFit/>
+          </a:bodyPr>
+          <a:lstStyle/>
+          <a:p>
+            <a:pPr algn="ctr"/>
+            <a:endParaRPr lang="fr-FR" sz="1200" dirty="0">
+              <a:latin typeface="Arial Rounded MT Bold" panose="020F0704030504030204" pitchFamily="34" charset="0"/>
+            </a:endParaRPr>
+          </a:p>
+          <a:p>
+            <a:pPr algn="ctr"/>
+            <a:r>
+              <a:rPr lang="fr-FR" sz="1200" dirty="0">
+                <a:latin typeface="Arial Rounded MT Bold" panose="020F0704030504030204" pitchFamily="34" charset="0"/>
+              </a:rPr>
+              <a:t>Nb </a:t>
+            </a:r>
+          </a:p>
+          <a:p>
+            <a:pPr algn="ctr"/>
+            <a:r>
+              <a:rPr lang="fr-FR" sz="1200" dirty="0">
+                <a:latin typeface="Arial Rounded MT Bold" panose="020F0704030504030204" pitchFamily="34" charset="0"/>
+              </a:rPr>
+              <a:t>votants</a:t>
+            </a:r>
+          </a:p>
+          <a:p>
+            <a:endParaRPr lang="fr-FR" sz="795" dirty="0"/>
+          </a:p>
+        </p:txBody>
+      </p:sp>
+      <p:sp>
+        <p:nvSpPr>
+          <p:cNvPr id="9" name="ZoneTexte 8">
+            <a:extLst>
+              <a:ext uri="{FF2B5EF4-FFF2-40B4-BE49-F238E27FC236}">
+                <a16:creationId xmlns:a16="http://schemas.microsoft.com/office/drawing/2014/main" id="{60E7AF34-93F4-CE03-591A-5EBA2EBC975E}"/>
+              </a:ext>
+            </a:extLst>
+          </p:cNvPr>
+          <p:cNvSpPr txBox="1"/>
+          <p:nvPr/>
+        </p:nvSpPr>
+        <p:spPr>
+          <a:xfrm rot="21235316">
+            <a:off x="4743994" y="5120174"/>
+            <a:ext cx="1324743" cy="850446"/>
+          </a:xfrm>
+          <a:prstGeom prst="roundRect">
+            <a:avLst/>
+          </a:prstGeom>
+          <a:solidFill>
+            <a:srgbClr val="AAFD5F"/>
+          </a:solidFill>
+          <a:ln w="28575">
+            <a:noFill/>
+          </a:ln>
+          <a:effectLst>
+            <a:outerShdw blurRad="50800" dist="38100" algn="l" rotWithShape="0">
+              <a:prstClr val="black">
+                <a:alpha val="40000"/>
+              </a:prstClr>
+            </a:outerShdw>
+          </a:effectLst>
+        </p:spPr>
+        <p:txBody>
+          <a:bodyPr wrap="square" rtlCol="0">
+            <a:spAutoFit/>
+          </a:bodyPr>
+          <a:lstStyle/>
+          <a:p>
+            <a:pPr algn="ctr"/>
+            <a:endParaRPr lang="fr-FR" sz="1200" b="1" dirty="0">
+              <a:latin typeface="Arial Rounded MT Bold" panose="020F0704030504030204" pitchFamily="34" charset="0"/>
+            </a:endParaRPr>
+          </a:p>
+          <a:p>
+            <a:pPr algn="ctr"/>
+            <a:r>
+              <a:rPr lang="fr-FR" sz="1200" b="1" dirty="0">
+                <a:latin typeface="Arial Rounded MT Bold" panose="020F0704030504030204" pitchFamily="34" charset="0"/>
+              </a:rPr>
+              <a:t>Résultats votes</a:t>
+            </a:r>
+          </a:p>
+          <a:p>
+            <a:endParaRPr lang="fr-FR" sz="795" dirty="0"/>
+          </a:p>
+        </p:txBody>
+      </p:sp>
+      <p:sp>
+        <p:nvSpPr>
+          <p:cNvPr id="11" name="ZoneTexte 10">
+            <a:extLst>
+              <a:ext uri="{FF2B5EF4-FFF2-40B4-BE49-F238E27FC236}">
+                <a16:creationId xmlns:a16="http://schemas.microsoft.com/office/drawing/2014/main" id="{A3EE5803-6360-066B-BDDC-BB3F51E0BE3F}"/>
+              </a:ext>
+            </a:extLst>
+          </p:cNvPr>
+          <p:cNvSpPr txBox="1"/>
+          <p:nvPr/>
+        </p:nvSpPr>
+        <p:spPr>
+          <a:xfrm>
+            <a:off x="0" y="1"/>
+            <a:ext cx="10691813" cy="246221"/>
+          </a:xfrm>
+          <a:prstGeom prst="rect">
+            <a:avLst/>
+          </a:prstGeom>
+          <a:noFill/>
+        </p:spPr>
+        <p:txBody>
+          <a:bodyPr wrap="square" rtlCol="0">
+            <a:spAutoFit/>
+          </a:bodyPr>
+          <a:lstStyle/>
+          <a:p>
+            <a:r>
+              <a:rPr lang="fr-FR" sz="1000" b="1" dirty="0"/>
+              <a:t>Dashboard admin</a:t>
+            </a:r>
+          </a:p>
+        </p:txBody>
+      </p:sp>
+      <p:sp>
+        <p:nvSpPr>
+          <p:cNvPr id="15" name="ZoneTexte 14">
+            <a:extLst>
+              <a:ext uri="{FF2B5EF4-FFF2-40B4-BE49-F238E27FC236}">
+                <a16:creationId xmlns:a16="http://schemas.microsoft.com/office/drawing/2014/main" id="{F354ED38-2AAB-0078-67F4-151149A1B8AE}"/>
+              </a:ext>
+            </a:extLst>
+          </p:cNvPr>
+          <p:cNvSpPr txBox="1"/>
+          <p:nvPr/>
+        </p:nvSpPr>
+        <p:spPr>
+          <a:xfrm rot="222273">
+            <a:off x="8568130" y="5539141"/>
+            <a:ext cx="1467422" cy="850446"/>
+          </a:xfrm>
+          <a:prstGeom prst="roundRect">
+            <a:avLst/>
+          </a:prstGeom>
+          <a:solidFill>
+            <a:srgbClr val="AAFD5F"/>
+          </a:solidFill>
+          <a:ln w="28575">
+            <a:noFill/>
+          </a:ln>
+          <a:effectLst>
+            <a:outerShdw blurRad="50800" dist="38100" algn="l" rotWithShape="0">
+              <a:prstClr val="black">
+                <a:alpha val="40000"/>
+              </a:prstClr>
+            </a:outerShdw>
+          </a:effectLst>
+        </p:spPr>
+        <p:txBody>
+          <a:bodyPr wrap="square" rtlCol="0">
+            <a:spAutoFit/>
+          </a:bodyPr>
+          <a:lstStyle/>
+          <a:p>
+            <a:pPr algn="ctr"/>
+            <a:endParaRPr lang="fr-FR" sz="1200" b="1" dirty="0">
+              <a:latin typeface="Arial Rounded MT Bold" panose="020F0704030504030204" pitchFamily="34" charset="0"/>
+            </a:endParaRPr>
+          </a:p>
+          <a:p>
+            <a:pPr algn="ctr"/>
+            <a:r>
+              <a:rPr lang="fr-FR" sz="1200" b="1" dirty="0">
+                <a:latin typeface="Arial Rounded MT Bold" panose="020F0704030504030204" pitchFamily="34" charset="0"/>
+              </a:rPr>
+              <a:t>Résultats </a:t>
+            </a:r>
+          </a:p>
+          <a:p>
+            <a:pPr algn="ctr"/>
+            <a:r>
+              <a:rPr lang="fr-FR" sz="1200" b="1" dirty="0">
+                <a:latin typeface="Arial Rounded MT Bold" panose="020F0704030504030204" pitchFamily="34" charset="0"/>
+              </a:rPr>
+              <a:t>finaux</a:t>
+            </a:r>
+          </a:p>
+          <a:p>
+            <a:endParaRPr lang="fr-FR" sz="795" dirty="0"/>
+          </a:p>
+        </p:txBody>
+      </p:sp>
+      <p:sp>
+        <p:nvSpPr>
+          <p:cNvPr id="3" name="Rectangle 2">
+            <a:extLst>
+              <a:ext uri="{FF2B5EF4-FFF2-40B4-BE49-F238E27FC236}">
+                <a16:creationId xmlns:a16="http://schemas.microsoft.com/office/drawing/2014/main" id="{CE39C151-D5CC-B8DF-1B57-825AAD3A5F1A}"/>
               </a:ext>
             </a:extLst>
           </p:cNvPr>
@@ -4625,17 +4148,20 @@
           <p:nvPr/>
         </p:nvSpPr>
         <p:spPr>
-          <a:xfrm rot="120000">
-            <a:off x="7221218" y="1392931"/>
-            <a:ext cx="2814998" cy="4077192"/>
+          <a:xfrm rot="282759">
+            <a:off x="235134" y="1789959"/>
+            <a:ext cx="3600000" cy="3600000"/>
           </a:xfrm>
           <a:prstGeom prst="rect">
             <a:avLst/>
           </a:prstGeom>
           <a:solidFill>
-            <a:srgbClr val="FFFF6D"/>
+            <a:schemeClr val="accent2">
+              <a:lumMod val="60000"/>
+              <a:lumOff val="40000"/>
+            </a:schemeClr>
           </a:solidFill>
-          <a:ln>
+          <a:ln w="28575">
             <a:noFill/>
           </a:ln>
           <a:effectLst>
@@ -4667,16 +4193,65 @@
           <a:lstStyle/>
           <a:p>
             <a:pPr algn="ctr"/>
-            <a:endParaRPr lang="fr-FR"/>
-          </a:p>
-        </p:txBody>
-      </p:sp>
-      <p:sp>
-        <p:nvSpPr>
-          <p:cNvPr id="3" name="Rectangle 2">
+            <a:endParaRPr lang="fr-FR" sz="795"/>
+          </a:p>
+        </p:txBody>
+      </p:sp>
+      <p:sp>
+        <p:nvSpPr>
+          <p:cNvPr id="10" name="ZoneTexte 9">
             <a:extLst>
               <a:ext uri="{FF2B5EF4-FFF2-40B4-BE49-F238E27FC236}">
-                <a16:creationId xmlns:a16="http://schemas.microsoft.com/office/drawing/2014/main" id="{4281468D-A4CC-7136-8EBA-326CD6001F6D}"/>
+                <a16:creationId xmlns:a16="http://schemas.microsoft.com/office/drawing/2014/main" id="{ED2243FA-C87C-2A7A-95A4-2A6A142AF62E}"/>
+              </a:ext>
+            </a:extLst>
+          </p:cNvPr>
+          <p:cNvSpPr txBox="1"/>
+          <p:nvPr/>
+        </p:nvSpPr>
+        <p:spPr>
+          <a:xfrm>
+            <a:off x="494625" y="6708354"/>
+            <a:ext cx="1872247" cy="374571"/>
+          </a:xfrm>
+          <a:prstGeom prst="roundRect">
+            <a:avLst/>
+          </a:prstGeom>
+          <a:solidFill>
+            <a:srgbClr val="00B0DA"/>
+          </a:solidFill>
+          <a:ln w="28575">
+            <a:solidFill>
+              <a:schemeClr val="tx1"/>
+            </a:solidFill>
+          </a:ln>
+          <a:effectLst>
+            <a:outerShdw blurRad="50800" dist="38100" algn="l" rotWithShape="0">
+              <a:prstClr val="black">
+                <a:alpha val="40000"/>
+              </a:prstClr>
+            </a:outerShdw>
+          </a:effectLst>
+        </p:spPr>
+        <p:txBody>
+          <a:bodyPr wrap="square" rtlCol="0">
+            <a:spAutoFit/>
+          </a:bodyPr>
+          <a:lstStyle/>
+          <a:p>
+            <a:r>
+              <a:rPr lang="fr-FR" sz="1600" b="1" dirty="0"/>
+              <a:t>Lancement du vote</a:t>
+            </a:r>
+          </a:p>
+        </p:txBody>
+      </p:sp>
+      <p:sp>
+        <p:nvSpPr>
+          <p:cNvPr id="13" name="Rectangle 12">
+            <a:extLst>
+              <a:ext uri="{FF2B5EF4-FFF2-40B4-BE49-F238E27FC236}">
+                <a16:creationId xmlns:a16="http://schemas.microsoft.com/office/drawing/2014/main" id="{CE9A4BFB-A176-7BED-29B0-25499FB59026}"/>
               </a:ext>
             </a:extLst>
           </p:cNvPr>
@@ -4684,17 +4259,17 @@
           <p:nvPr/>
         </p:nvSpPr>
         <p:spPr>
-          <a:xfrm rot="21413575">
-            <a:off x="350348" y="1665655"/>
-            <a:ext cx="5605365" cy="3778922"/>
+          <a:xfrm rot="21284865">
+            <a:off x="6833256" y="1723379"/>
+            <a:ext cx="3600000" cy="3600000"/>
           </a:xfrm>
           <a:prstGeom prst="rect">
             <a:avLst/>
           </a:prstGeom>
           <a:solidFill>
-            <a:srgbClr val="00B0DA"/>
+            <a:srgbClr val="FE62FF"/>
           </a:solidFill>
-          <a:ln>
+          <a:ln w="28575">
             <a:noFill/>
           </a:ln>
           <a:effectLst>
@@ -4726,20 +4301,16 @@
           <a:lstStyle/>
           <a:p>
             <a:pPr algn="ctr"/>
-            <a:endParaRPr lang="fr-FR" sz="795" dirty="0">
-              <a:solidFill>
-                <a:srgbClr val="00B0DA"/>
-              </a:solidFill>
-            </a:endParaRPr>
-          </a:p>
-        </p:txBody>
-      </p:sp>
-      <p:sp>
-        <p:nvSpPr>
-          <p:cNvPr id="2" name="ZoneTexte 1">
+            <a:endParaRPr lang="fr-FR" sz="795"/>
+          </a:p>
+        </p:txBody>
+      </p:sp>
+      <p:sp>
+        <p:nvSpPr>
+          <p:cNvPr id="16" name="ZoneTexte 15">
             <a:extLst>
               <a:ext uri="{FF2B5EF4-FFF2-40B4-BE49-F238E27FC236}">
-                <a16:creationId xmlns:a16="http://schemas.microsoft.com/office/drawing/2014/main" id="{06297AA2-BBB9-B104-2CB0-931DEE3567E6}"/>
+                <a16:creationId xmlns:a16="http://schemas.microsoft.com/office/drawing/2014/main" id="{06A7E99D-D57E-2AB7-103A-00BAC78EDC8B}"/>
               </a:ext>
             </a:extLst>
           </p:cNvPr>
@@ -4747,14 +4318,17 @@
           <p:nvPr/>
         </p:nvSpPr>
         <p:spPr>
-          <a:xfrm>
-            <a:off x="0" y="-1"/>
-            <a:ext cx="10691813" cy="246221"/>
+          <a:xfrm rot="21245740">
+            <a:off x="6890465" y="1833351"/>
+            <a:ext cx="2029326" cy="830997"/>
           </a:xfrm>
           <a:prstGeom prst="rect">
             <a:avLst/>
           </a:prstGeom>
           <a:noFill/>
+          <a:ln>
+            <a:noFill/>
+          </a:ln>
         </p:spPr>
         <p:txBody>
           <a:bodyPr wrap="square" rtlCol="0">
@@ -4762,75 +4336,42 @@
           </a:bodyPr>
           <a:lstStyle/>
           <a:p>
-            <a:r>
-              <a:rPr lang="fr-FR" sz="1000" b="1" dirty="0"/>
-              <a:t>Modale Formulaire d’ajout de stagiaires et candidats</a:t>
-            </a:r>
-          </a:p>
-        </p:txBody>
-      </p:sp>
-      <p:sp>
-        <p:nvSpPr>
-          <p:cNvPr id="4" name="Rectangle 3">
+            <a:endParaRPr lang="fr-FR" sz="1200" dirty="0">
+              <a:latin typeface="Arial Rounded MT Bold" panose="020F0704030504030204" pitchFamily="34" charset="0"/>
+            </a:endParaRPr>
+          </a:p>
+          <a:p>
+            <a:r>
+              <a:rPr lang="fr-FR" sz="1200" dirty="0">
+                <a:latin typeface="Arial Rounded MT Bold" panose="020F0704030504030204" pitchFamily="34" charset="0"/>
+              </a:rPr>
+              <a:t>Nom équipe : </a:t>
+            </a:r>
+          </a:p>
+          <a:p>
+            <a:r>
+              <a:rPr lang="fr-FR" sz="1200" dirty="0">
+                <a:latin typeface="Arial Rounded MT Bold" panose="020F0704030504030204" pitchFamily="34" charset="0"/>
+              </a:rPr>
+              <a:t>Délégué : Prénom Nom</a:t>
+            </a:r>
+          </a:p>
+          <a:p>
+            <a:r>
+              <a:rPr lang="fr-FR" sz="1200" dirty="0">
+                <a:latin typeface="Arial Rounded MT Bold" panose="020F0704030504030204" pitchFamily="34" charset="0"/>
+              </a:rPr>
+              <a:t>Suppléant : Prénom Nom </a:t>
+            </a:r>
+          </a:p>
+        </p:txBody>
+      </p:sp>
+      <p:sp>
+        <p:nvSpPr>
+          <p:cNvPr id="17" name="ZoneTexte 16">
             <a:extLst>
               <a:ext uri="{FF2B5EF4-FFF2-40B4-BE49-F238E27FC236}">
-                <a16:creationId xmlns:a16="http://schemas.microsoft.com/office/drawing/2014/main" id="{0E7D9843-473B-AE3F-577F-EA01F269D251}"/>
-              </a:ext>
-            </a:extLst>
-          </p:cNvPr>
-          <p:cNvSpPr/>
-          <p:nvPr/>
-        </p:nvSpPr>
-        <p:spPr>
-          <a:xfrm>
-            <a:off x="7499512" y="4230979"/>
-            <a:ext cx="180000" cy="180000"/>
-          </a:xfrm>
-          <a:prstGeom prst="rect">
-            <a:avLst/>
-          </a:prstGeom>
-          <a:solidFill>
-            <a:schemeClr val="bg1">
-              <a:lumMod val="95000"/>
-            </a:schemeClr>
-          </a:solidFill>
-          <a:ln w="28575">
-            <a:solidFill>
-              <a:schemeClr val="tx1"/>
-            </a:solidFill>
-          </a:ln>
-        </p:spPr>
-        <p:style>
-          <a:lnRef idx="2">
-            <a:schemeClr val="accent1">
-              <a:shade val="15000"/>
-            </a:schemeClr>
-          </a:lnRef>
-          <a:fillRef idx="1">
-            <a:schemeClr val="accent1"/>
-          </a:fillRef>
-          <a:effectRef idx="0">
-            <a:schemeClr val="accent1"/>
-          </a:effectRef>
-          <a:fontRef idx="minor">
-            <a:schemeClr val="lt1"/>
-          </a:fontRef>
-        </p:style>
-        <p:txBody>
-          <a:bodyPr rtlCol="0" anchor="ctr"/>
-          <a:lstStyle/>
-          <a:p>
-            <a:pPr algn="ctr"/>
-            <a:endParaRPr lang="fr-FR" sz="795"/>
-          </a:p>
-        </p:txBody>
-      </p:sp>
-      <p:sp>
-        <p:nvSpPr>
-          <p:cNvPr id="5" name="ZoneTexte 4">
-            <a:extLst>
-              <a:ext uri="{FF2B5EF4-FFF2-40B4-BE49-F238E27FC236}">
-                <a16:creationId xmlns:a16="http://schemas.microsoft.com/office/drawing/2014/main" id="{1504CE4F-4017-2122-F96E-E0AFE95F6EE9}"/>
+                <a16:creationId xmlns:a16="http://schemas.microsoft.com/office/drawing/2014/main" id="{84AA30E1-0DAC-3FEA-6112-B0E819614B9B}"/>
               </a:ext>
             </a:extLst>
           </p:cNvPr>
@@ -4838,14 +4379,24 @@
           <p:nvPr/>
         </p:nvSpPr>
         <p:spPr>
-          <a:xfrm rot="120000">
-            <a:off x="7829876" y="4195025"/>
-            <a:ext cx="2052429" cy="338554"/>
+          <a:xfrm rot="190739">
+            <a:off x="8280320" y="2655070"/>
+            <a:ext cx="2043042" cy="646331"/>
           </a:xfrm>
           <a:prstGeom prst="rect">
             <a:avLst/>
           </a:prstGeom>
           <a:noFill/>
+          <a:ln>
+            <a:noFill/>
+          </a:ln>
+          <a:effectLst>
+            <a:outerShdw blurRad="50800" dist="38100" algn="l" rotWithShape="0">
+              <a:prstClr val="black">
+                <a:alpha val="40000"/>
+              </a:prstClr>
+            </a:outerShdw>
+          </a:effectLst>
         </p:spPr>
         <p:txBody>
           <a:bodyPr wrap="square" rtlCol="0">
@@ -4854,23 +4405,36 @@
           <a:lstStyle/>
           <a:p>
             <a:r>
-              <a:rPr lang="fr-FR" sz="1600" dirty="0">
-                <a:solidFill>
-                  <a:srgbClr val="FF0000"/>
-                </a:solidFill>
-                <a:latin typeface="Arial Rounded MT Bold" panose="020F0704030504030204" pitchFamily="34" charset="0"/>
-              </a:rPr>
-              <a:t>Candidat Délégué</a:t>
-            </a:r>
-          </a:p>
-        </p:txBody>
-      </p:sp>
-      <p:sp>
-        <p:nvSpPr>
-          <p:cNvPr id="6" name="ZoneTexte 5">
+              <a:rPr lang="fr-FR" sz="1200" dirty="0">
+                <a:latin typeface="Arial Rounded MT Bold" panose="020F0704030504030204" pitchFamily="34" charset="0"/>
+              </a:rPr>
+              <a:t>Nom équipe :</a:t>
+            </a:r>
+          </a:p>
+          <a:p>
+            <a:r>
+              <a:rPr lang="fr-FR" sz="1200" dirty="0">
+                <a:latin typeface="Arial Rounded MT Bold" panose="020F0704030504030204" pitchFamily="34" charset="0"/>
+              </a:rPr>
+              <a:t>Délégué : Prénom Nom</a:t>
+            </a:r>
+          </a:p>
+          <a:p>
+            <a:r>
+              <a:rPr lang="fr-FR" sz="1200" dirty="0">
+                <a:latin typeface="Arial Rounded MT Bold" panose="020F0704030504030204" pitchFamily="34" charset="0"/>
+              </a:rPr>
+              <a:t>Suppléant : Prénom Nom </a:t>
+            </a:r>
+          </a:p>
+        </p:txBody>
+      </p:sp>
+      <p:sp>
+        <p:nvSpPr>
+          <p:cNvPr id="20" name="ZoneTexte 19">
             <a:extLst>
               <a:ext uri="{FF2B5EF4-FFF2-40B4-BE49-F238E27FC236}">
-                <a16:creationId xmlns:a16="http://schemas.microsoft.com/office/drawing/2014/main" id="{E72EF1BF-75F2-5626-40B2-93DD17BE3A32}"/>
+                <a16:creationId xmlns:a16="http://schemas.microsoft.com/office/drawing/2014/main" id="{67103BB5-4726-690D-0AFD-7DF2FC19194E}"/>
               </a:ext>
             </a:extLst>
           </p:cNvPr>
@@ -4878,14 +4442,24 @@
           <p:nvPr/>
         </p:nvSpPr>
         <p:spPr>
-          <a:xfrm rot="21300000">
-            <a:off x="881153" y="2293284"/>
-            <a:ext cx="1294409" cy="369332"/>
+          <a:xfrm rot="21135576">
+            <a:off x="545035" y="2172498"/>
+            <a:ext cx="1415035" cy="461665"/>
           </a:xfrm>
           <a:prstGeom prst="rect">
             <a:avLst/>
           </a:prstGeom>
           <a:noFill/>
+          <a:ln>
+            <a:noFill/>
+          </a:ln>
+          <a:effectLst>
+            <a:outerShdw blurRad="50800" dist="38100" algn="l" rotWithShape="0">
+              <a:prstClr val="black">
+                <a:alpha val="40000"/>
+              </a:prstClr>
+            </a:outerShdw>
+          </a:effectLst>
         </p:spPr>
         <p:txBody>
           <a:bodyPr wrap="square" rtlCol="0">
@@ -4894,20 +4468,34 @@
           <a:lstStyle/>
           <a:p>
             <a:r>
-              <a:rPr lang="fr-FR" dirty="0">
-                <a:latin typeface="Arial Rounded MT Bold" panose="020F0704030504030204" pitchFamily="34" charset="0"/>
-              </a:rPr>
-              <a:t>Prénom : </a:t>
-            </a:r>
-          </a:p>
-        </p:txBody>
-      </p:sp>
-      <p:sp>
-        <p:nvSpPr>
-          <p:cNvPr id="12" name="ZoneTexte 11">
+              <a:rPr lang="fr-FR" sz="1200" dirty="0">
+                <a:solidFill>
+                  <a:srgbClr val="2643BC"/>
+                </a:solidFill>
+                <a:latin typeface="Arial Rounded MT Bold" panose="020F0704030504030204" pitchFamily="34" charset="0"/>
+              </a:rPr>
+              <a:t>Prénom Nom</a:t>
+            </a:r>
+          </a:p>
+          <a:p>
+            <a:r>
+              <a:rPr lang="fr-FR" sz="1200" dirty="0">
+                <a:solidFill>
+                  <a:srgbClr val="2643BC"/>
+                </a:solidFill>
+                <a:latin typeface="Arial Rounded MT Bold" panose="020F0704030504030204" pitchFamily="34" charset="0"/>
+              </a:rPr>
+              <a:t>Email</a:t>
+            </a:r>
+          </a:p>
+        </p:txBody>
+      </p:sp>
+      <p:sp>
+        <p:nvSpPr>
+          <p:cNvPr id="21" name="ZoneTexte 20">
             <a:extLst>
               <a:ext uri="{FF2B5EF4-FFF2-40B4-BE49-F238E27FC236}">
-                <a16:creationId xmlns:a16="http://schemas.microsoft.com/office/drawing/2014/main" id="{95EC0ECA-6C3D-97B5-904D-41EB75222F49}"/>
+                <a16:creationId xmlns:a16="http://schemas.microsoft.com/office/drawing/2014/main" id="{6446DE16-70EE-A1A9-4BB0-58B6FF5A15A2}"/>
               </a:ext>
             </a:extLst>
           </p:cNvPr>
@@ -4915,14 +4503,24 @@
           <p:nvPr/>
         </p:nvSpPr>
         <p:spPr>
-          <a:xfrm>
-            <a:off x="7179723" y="811031"/>
-            <a:ext cx="3218218" cy="461665"/>
+          <a:xfrm rot="353391">
+            <a:off x="2307739" y="2368670"/>
+            <a:ext cx="1415035" cy="461665"/>
           </a:xfrm>
           <a:prstGeom prst="rect">
             <a:avLst/>
           </a:prstGeom>
           <a:noFill/>
+          <a:ln>
+            <a:noFill/>
+          </a:ln>
+          <a:effectLst>
+            <a:outerShdw blurRad="50800" dist="38100" algn="l" rotWithShape="0">
+              <a:prstClr val="black">
+                <a:alpha val="40000"/>
+              </a:prstClr>
+            </a:outerShdw>
+          </a:effectLst>
         </p:spPr>
         <p:txBody>
           <a:bodyPr wrap="square" rtlCol="0">
@@ -4933,79 +4531,32 @@
             <a:r>
               <a:rPr lang="fr-FR" sz="1200" dirty="0">
                 <a:solidFill>
-                  <a:schemeClr val="tx1">
-                    <a:lumMod val="65000"/>
-                    <a:lumOff val="35000"/>
-                  </a:schemeClr>
+                  <a:srgbClr val="2643BC"/>
                 </a:solidFill>
-              </a:rPr>
-              <a:t>? (Si candidat ou suppléant  coché affiche que nom et prénom)</a:t>
-            </a:r>
-          </a:p>
-        </p:txBody>
-      </p:sp>
-      <p:sp>
-        <p:nvSpPr>
-          <p:cNvPr id="13" name="Rectangle 12">
+                <a:latin typeface="Arial Rounded MT Bold" panose="020F0704030504030204" pitchFamily="34" charset="0"/>
+              </a:rPr>
+              <a:t>Prénom Nom</a:t>
+            </a:r>
+          </a:p>
+          <a:p>
+            <a:r>
+              <a:rPr lang="fr-FR" sz="1200" dirty="0">
+                <a:solidFill>
+                  <a:srgbClr val="2643BC"/>
+                </a:solidFill>
+                <a:latin typeface="Arial Rounded MT Bold" panose="020F0704030504030204" pitchFamily="34" charset="0"/>
+              </a:rPr>
+              <a:t>Email</a:t>
+            </a:r>
+          </a:p>
+        </p:txBody>
+      </p:sp>
+      <p:sp>
+        <p:nvSpPr>
+          <p:cNvPr id="22" name="ZoneTexte 21">
             <a:extLst>
               <a:ext uri="{FF2B5EF4-FFF2-40B4-BE49-F238E27FC236}">
-                <a16:creationId xmlns:a16="http://schemas.microsoft.com/office/drawing/2014/main" id="{1319F63E-4346-18A5-EFEF-EB51581DBE47}"/>
-              </a:ext>
-            </a:extLst>
-          </p:cNvPr>
-          <p:cNvSpPr/>
-          <p:nvPr/>
-        </p:nvSpPr>
-        <p:spPr>
-          <a:xfrm>
-            <a:off x="7499511" y="4700371"/>
-            <a:ext cx="180000" cy="180000"/>
-          </a:xfrm>
-          <a:prstGeom prst="rect">
-            <a:avLst/>
-          </a:prstGeom>
-          <a:solidFill>
-            <a:schemeClr val="bg1">
-              <a:lumMod val="95000"/>
-            </a:schemeClr>
-          </a:solidFill>
-          <a:ln w="28575">
-            <a:solidFill>
-              <a:schemeClr val="tx1"/>
-            </a:solidFill>
-          </a:ln>
-        </p:spPr>
-        <p:style>
-          <a:lnRef idx="2">
-            <a:schemeClr val="accent1">
-              <a:shade val="15000"/>
-            </a:schemeClr>
-          </a:lnRef>
-          <a:fillRef idx="1">
-            <a:schemeClr val="accent1"/>
-          </a:fillRef>
-          <a:effectRef idx="0">
-            <a:schemeClr val="accent1"/>
-          </a:effectRef>
-          <a:fontRef idx="minor">
-            <a:schemeClr val="lt1"/>
-          </a:fontRef>
-        </p:style>
-        <p:txBody>
-          <a:bodyPr rtlCol="0" anchor="ctr"/>
-          <a:lstStyle/>
-          <a:p>
-            <a:pPr algn="ctr"/>
-            <a:endParaRPr lang="fr-FR" sz="795"/>
-          </a:p>
-        </p:txBody>
-      </p:sp>
-      <p:sp>
-        <p:nvSpPr>
-          <p:cNvPr id="14" name="ZoneTexte 13">
-            <a:extLst>
-              <a:ext uri="{FF2B5EF4-FFF2-40B4-BE49-F238E27FC236}">
-                <a16:creationId xmlns:a16="http://schemas.microsoft.com/office/drawing/2014/main" id="{963EDBB0-0A01-1307-FB6E-7D6E423F7657}"/>
+                <a16:creationId xmlns:a16="http://schemas.microsoft.com/office/drawing/2014/main" id="{1521AACB-6B33-9CCE-BE38-2793FF309FAC}"/>
               </a:ext>
             </a:extLst>
           </p:cNvPr>
@@ -5013,14 +4564,24 @@
           <p:nvPr/>
         </p:nvSpPr>
         <p:spPr>
-          <a:xfrm rot="120000">
-            <a:off x="7829809" y="4681180"/>
-            <a:ext cx="2271481" cy="338554"/>
+          <a:xfrm rot="352655">
+            <a:off x="1303921" y="4875492"/>
+            <a:ext cx="743015" cy="400110"/>
           </a:xfrm>
           <a:prstGeom prst="rect">
             <a:avLst/>
           </a:prstGeom>
           <a:noFill/>
+          <a:ln>
+            <a:noFill/>
+          </a:ln>
+          <a:effectLst>
+            <a:outerShdw blurRad="50800" dist="38100" algn="l" rotWithShape="0">
+              <a:prstClr val="black">
+                <a:alpha val="40000"/>
+              </a:prstClr>
+            </a:outerShdw>
+          </a:effectLst>
         </p:spPr>
         <p:txBody>
           <a:bodyPr wrap="square" rtlCol="0">
@@ -5028,24 +4589,22 @@
           </a:bodyPr>
           <a:lstStyle/>
           <a:p>
-            <a:r>
-              <a:rPr lang="fr-FR" sz="1600" dirty="0">
-                <a:solidFill>
-                  <a:srgbClr val="FF0000"/>
-                </a:solidFill>
-                <a:latin typeface="Arial Rounded MT Bold" panose="020F0704030504030204" pitchFamily="34" charset="0"/>
-              </a:rPr>
-              <a:t>Candidat suppléant</a:t>
-            </a:r>
-          </a:p>
-        </p:txBody>
-      </p:sp>
-      <p:sp>
-        <p:nvSpPr>
-          <p:cNvPr id="17" name="ZoneTexte 16">
+            <a:pPr algn="ctr"/>
+            <a:r>
+              <a:rPr lang="fr-FR" sz="2000" b="1" dirty="0">
+                <a:latin typeface="Arial Rounded MT Bold" panose="020F0704030504030204" pitchFamily="34" charset="0"/>
+              </a:rPr>
+              <a:t>+  x</a:t>
+            </a:r>
+          </a:p>
+        </p:txBody>
+      </p:sp>
+      <p:sp>
+        <p:nvSpPr>
+          <p:cNvPr id="24" name="ZoneTexte 23">
             <a:extLst>
               <a:ext uri="{FF2B5EF4-FFF2-40B4-BE49-F238E27FC236}">
-                <a16:creationId xmlns:a16="http://schemas.microsoft.com/office/drawing/2014/main" id="{DA0095E1-554B-6400-44F8-49CEF5D08CFF}"/>
+                <a16:creationId xmlns:a16="http://schemas.microsoft.com/office/drawing/2014/main" id="{7E761811-639A-9523-B24E-580BDB77E048}"/>
               </a:ext>
             </a:extLst>
           </p:cNvPr>
@@ -5053,9 +4612,9 @@
           <p:nvPr/>
         </p:nvSpPr>
         <p:spPr>
-          <a:xfrm rot="21300000">
-            <a:off x="875499" y="3053439"/>
-            <a:ext cx="4266759" cy="369332"/>
+          <a:xfrm>
+            <a:off x="803990" y="324387"/>
+            <a:ext cx="9083832" cy="584775"/>
           </a:xfrm>
           <a:prstGeom prst="rect">
             <a:avLst/>
@@ -5069,20 +4628,20 @@
           <a:lstStyle/>
           <a:p>
             <a:r>
-              <a:rPr lang="fr-FR" dirty="0">
-                <a:latin typeface="Arial Rounded MT Bold" panose="020F0704030504030204" pitchFamily="34" charset="0"/>
-              </a:rPr>
-              <a:t>Nom :  </a:t>
-            </a:r>
-          </a:p>
-        </p:txBody>
-      </p:sp>
-      <p:sp>
-        <p:nvSpPr>
-          <p:cNvPr id="18" name="ZoneTexte 17">
+              <a:rPr lang="fr-FR" sz="3200" dirty="0">
+                <a:latin typeface="Arial Rounded MT Bold" panose="020F0704030504030204" pitchFamily="34" charset="0"/>
+              </a:rPr>
+              <a:t>Création de session d’élection des délégués</a:t>
+            </a:r>
+          </a:p>
+        </p:txBody>
+      </p:sp>
+      <p:sp>
+        <p:nvSpPr>
+          <p:cNvPr id="14" name="ZoneTexte 13">
             <a:extLst>
               <a:ext uri="{FF2B5EF4-FFF2-40B4-BE49-F238E27FC236}">
-                <a16:creationId xmlns:a16="http://schemas.microsoft.com/office/drawing/2014/main" id="{B9D11616-C098-2B0D-80C3-525309996F2F}"/>
+                <a16:creationId xmlns:a16="http://schemas.microsoft.com/office/drawing/2014/main" id="{CE33C6A0-F825-9EEA-0E12-9212FFD74751}"/>
               </a:ext>
             </a:extLst>
           </p:cNvPr>
@@ -5090,9 +4649,9 @@
           <p:nvPr/>
         </p:nvSpPr>
         <p:spPr>
-          <a:xfrm rot="21300000">
-            <a:off x="881154" y="4145533"/>
-            <a:ext cx="1294409" cy="369332"/>
+          <a:xfrm rot="21329652">
+            <a:off x="9958834" y="1579599"/>
+            <a:ext cx="357781" cy="400110"/>
           </a:xfrm>
           <a:prstGeom prst="rect">
             <a:avLst/>
@@ -5106,134 +4665,20 @@
           <a:lstStyle/>
           <a:p>
             <a:r>
-              <a:rPr lang="fr-FR" dirty="0">
-                <a:latin typeface="Arial Rounded MT Bold" panose="020F0704030504030204" pitchFamily="34" charset="0"/>
-              </a:rPr>
-              <a:t>Mail :</a:t>
-            </a:r>
-          </a:p>
-        </p:txBody>
-      </p:sp>
-      <p:cxnSp>
-        <p:nvCxnSpPr>
-          <p:cNvPr id="20" name="Connecteur droit 19">
+              <a:rPr lang="fr-FR" sz="2000" b="1" dirty="0">
+                <a:latin typeface="Arial Rounded MT Bold" panose="020F0704030504030204" pitchFamily="34" charset="0"/>
+              </a:rPr>
+              <a:t>x</a:t>
+            </a:r>
+          </a:p>
+        </p:txBody>
+      </p:sp>
+      <p:sp>
+        <p:nvSpPr>
+          <p:cNvPr id="18" name="ZoneTexte 17">
             <a:extLst>
               <a:ext uri="{FF2B5EF4-FFF2-40B4-BE49-F238E27FC236}">
-                <a16:creationId xmlns:a16="http://schemas.microsoft.com/office/drawing/2014/main" id="{D36E6671-F47C-B527-A1C0-81C284412ACB}"/>
-              </a:ext>
-            </a:extLst>
-          </p:cNvPr>
-          <p:cNvCxnSpPr>
-            <a:cxnSpLocks/>
-          </p:cNvCxnSpPr>
-          <p:nvPr/>
-        </p:nvCxnSpPr>
-        <p:spPr>
-          <a:xfrm rot="21420000" flipV="1">
-            <a:off x="2088472" y="2341834"/>
-            <a:ext cx="2866998" cy="136716"/>
-          </a:xfrm>
-          <a:prstGeom prst="line">
-            <a:avLst/>
-          </a:prstGeom>
-        </p:spPr>
-        <p:style>
-          <a:lnRef idx="1">
-            <a:schemeClr val="accent1"/>
-          </a:lnRef>
-          <a:fillRef idx="0">
-            <a:schemeClr val="accent1"/>
-          </a:fillRef>
-          <a:effectRef idx="0">
-            <a:schemeClr val="accent1"/>
-          </a:effectRef>
-          <a:fontRef idx="minor">
-            <a:schemeClr val="tx1"/>
-          </a:fontRef>
-        </p:style>
-      </p:cxnSp>
-      <p:cxnSp>
-        <p:nvCxnSpPr>
-          <p:cNvPr id="23" name="Connecteur droit 22">
-            <a:extLst>
-              <a:ext uri="{FF2B5EF4-FFF2-40B4-BE49-F238E27FC236}">
-                <a16:creationId xmlns:a16="http://schemas.microsoft.com/office/drawing/2014/main" id="{002711DA-E9EA-BA97-88A1-2A8AB3CE5F7F}"/>
-              </a:ext>
-            </a:extLst>
-          </p:cNvPr>
-          <p:cNvCxnSpPr>
-            <a:cxnSpLocks/>
-          </p:cNvCxnSpPr>
-          <p:nvPr/>
-        </p:nvCxnSpPr>
-        <p:spPr>
-          <a:xfrm rot="21420000" flipV="1">
-            <a:off x="2088471" y="3219128"/>
-            <a:ext cx="2866998" cy="136716"/>
-          </a:xfrm>
-          <a:prstGeom prst="line">
-            <a:avLst/>
-          </a:prstGeom>
-        </p:spPr>
-        <p:style>
-          <a:lnRef idx="1">
-            <a:schemeClr val="accent1"/>
-          </a:lnRef>
-          <a:fillRef idx="0">
-            <a:schemeClr val="accent1"/>
-          </a:fillRef>
-          <a:effectRef idx="0">
-            <a:schemeClr val="accent1"/>
-          </a:effectRef>
-          <a:fontRef idx="minor">
-            <a:schemeClr val="tx1"/>
-          </a:fontRef>
-        </p:style>
-      </p:cxnSp>
-      <p:cxnSp>
-        <p:nvCxnSpPr>
-          <p:cNvPr id="24" name="Connecteur droit 23">
-            <a:extLst>
-              <a:ext uri="{FF2B5EF4-FFF2-40B4-BE49-F238E27FC236}">
-                <a16:creationId xmlns:a16="http://schemas.microsoft.com/office/drawing/2014/main" id="{18A2FBF7-A8BF-0314-8C95-19C445843045}"/>
-              </a:ext>
-            </a:extLst>
-          </p:cNvPr>
-          <p:cNvCxnSpPr>
-            <a:cxnSpLocks/>
-          </p:cNvCxnSpPr>
-          <p:nvPr/>
-        </p:nvCxnSpPr>
-        <p:spPr>
-          <a:xfrm rot="21420000" flipV="1">
-            <a:off x="2088472" y="4152657"/>
-            <a:ext cx="2866998" cy="136716"/>
-          </a:xfrm>
-          <a:prstGeom prst="line">
-            <a:avLst/>
-          </a:prstGeom>
-        </p:spPr>
-        <p:style>
-          <a:lnRef idx="1">
-            <a:schemeClr val="accent1"/>
-          </a:lnRef>
-          <a:fillRef idx="0">
-            <a:schemeClr val="accent1"/>
-          </a:fillRef>
-          <a:effectRef idx="0">
-            <a:schemeClr val="accent1"/>
-          </a:effectRef>
-          <a:fontRef idx="minor">
-            <a:schemeClr val="tx1"/>
-          </a:fontRef>
-        </p:style>
-      </p:cxnSp>
-      <p:sp>
-        <p:nvSpPr>
-          <p:cNvPr id="26" name="ZoneTexte 25">
-            <a:extLst>
-              <a:ext uri="{FF2B5EF4-FFF2-40B4-BE49-F238E27FC236}">
-                <a16:creationId xmlns:a16="http://schemas.microsoft.com/office/drawing/2014/main" id="{116BD7D8-C8D2-E2BB-2AB3-90E565479651}"/>
+                <a16:creationId xmlns:a16="http://schemas.microsoft.com/office/drawing/2014/main" id="{3F17E11A-C918-AF38-D1E0-ED13F58C2767}"/>
               </a:ext>
             </a:extLst>
           </p:cNvPr>
@@ -5241,16 +4686,14 @@
           <p:nvPr/>
         </p:nvSpPr>
         <p:spPr>
-          <a:xfrm>
-            <a:off x="2868642" y="6764055"/>
-            <a:ext cx="1703358" cy="408623"/>
-          </a:xfrm>
-          <a:prstGeom prst="roundRect">
+          <a:xfrm rot="530654">
+            <a:off x="3583208" y="1872050"/>
+            <a:ext cx="357781" cy="400110"/>
+          </a:xfrm>
+          <a:prstGeom prst="rect">
             <a:avLst/>
           </a:prstGeom>
-          <a:solidFill>
-            <a:srgbClr val="FE62FF"/>
-          </a:solidFill>
+          <a:noFill/>
         </p:spPr>
         <p:txBody>
           <a:bodyPr wrap="square" rtlCol="0">
@@ -5258,22 +4701,21 @@
           </a:bodyPr>
           <a:lstStyle/>
           <a:p>
-            <a:pPr algn="ctr"/>
-            <a:r>
-              <a:rPr lang="fr-FR" dirty="0">
-                <a:latin typeface="Arial Rounded MT Bold" panose="020F0704030504030204" pitchFamily="34" charset="0"/>
-              </a:rPr>
-              <a:t>Valider</a:t>
-            </a:r>
-          </a:p>
-        </p:txBody>
-      </p:sp>
-      <p:sp>
-        <p:nvSpPr>
-          <p:cNvPr id="27" name="ZoneTexte 26">
+            <a:r>
+              <a:rPr lang="fr-FR" sz="2000" b="1" dirty="0">
+                <a:latin typeface="Arial Rounded MT Bold" panose="020F0704030504030204" pitchFamily="34" charset="0"/>
+              </a:rPr>
+              <a:t>x</a:t>
+            </a:r>
+          </a:p>
+        </p:txBody>
+      </p:sp>
+      <p:sp>
+        <p:nvSpPr>
+          <p:cNvPr id="7" name="ZoneTexte 6">
             <a:extLst>
               <a:ext uri="{FF2B5EF4-FFF2-40B4-BE49-F238E27FC236}">
-                <a16:creationId xmlns:a16="http://schemas.microsoft.com/office/drawing/2014/main" id="{ED321583-3CA9-EF8F-E124-FF79B04D0641}"/>
+                <a16:creationId xmlns:a16="http://schemas.microsoft.com/office/drawing/2014/main" id="{7F1CBC2F-2F79-85EC-D409-F0BDDE894676}"/>
               </a:ext>
             </a:extLst>
           </p:cNvPr>
@@ -5281,16 +4723,26 @@
           <p:nvPr/>
         </p:nvSpPr>
         <p:spPr>
-          <a:xfrm>
-            <a:off x="6119814" y="6764055"/>
-            <a:ext cx="1703358" cy="408623"/>
-          </a:xfrm>
-          <a:prstGeom prst="roundRect">
+          <a:xfrm rot="21405541">
+            <a:off x="4233283" y="898109"/>
+            <a:ext cx="2755725" cy="923330"/>
+          </a:xfrm>
+          <a:prstGeom prst="rect">
             <a:avLst/>
           </a:prstGeom>
           <a:solidFill>
-            <a:srgbClr val="FE62FF"/>
+            <a:srgbClr val="CDACE6"/>
           </a:solidFill>
+          <a:ln>
+            <a:noFill/>
+          </a:ln>
+          <a:effectLst>
+            <a:outerShdw blurRad="50800" dist="38100" dir="2700000" algn="tl" rotWithShape="0">
+              <a:prstClr val="black">
+                <a:alpha val="40000"/>
+              </a:prstClr>
+            </a:outerShdw>
+          </a:effectLst>
         </p:spPr>
         <p:txBody>
           <a:bodyPr wrap="square" rtlCol="0">
@@ -5298,22 +4750,39 @@
           </a:bodyPr>
           <a:lstStyle/>
           <a:p>
-            <a:pPr algn="ctr"/>
             <a:r>
               <a:rPr lang="fr-FR" dirty="0">
                 <a:latin typeface="Arial Rounded MT Bold" panose="020F0704030504030204" pitchFamily="34" charset="0"/>
               </a:rPr>
-              <a:t>Annuler</a:t>
-            </a:r>
-          </a:p>
-        </p:txBody>
-      </p:sp>
-      <p:sp>
-        <p:nvSpPr>
-          <p:cNvPr id="15" name="ZoneTexte 14">
+              <a:t>Formation : </a:t>
+            </a:r>
+          </a:p>
+          <a:p>
+            <a:r>
+              <a:rPr lang="fr-FR" dirty="0">
+                <a:latin typeface="Arial Rounded MT Bold" panose="020F0704030504030204" pitchFamily="34" charset="0"/>
+              </a:rPr>
+              <a:t>Session :</a:t>
+            </a:r>
+            <a:r>
+              <a:rPr lang="fr-FR" dirty="0"/>
+              <a:t>		</a:t>
+            </a:r>
+          </a:p>
+          <a:p>
+            <a:r>
+              <a:rPr lang="fr-FR" dirty="0"/>
+              <a:t>	</a:t>
+            </a:r>
+          </a:p>
+        </p:txBody>
+      </p:sp>
+      <p:sp>
+        <p:nvSpPr>
+          <p:cNvPr id="12" name="ZoneTexte 11">
             <a:extLst>
               <a:ext uri="{FF2B5EF4-FFF2-40B4-BE49-F238E27FC236}">
-                <a16:creationId xmlns:a16="http://schemas.microsoft.com/office/drawing/2014/main" id="{52B11E43-96EF-FF13-A4C3-5ABCA17BED80}"/>
+                <a16:creationId xmlns:a16="http://schemas.microsoft.com/office/drawing/2014/main" id="{09F5F059-351C-F4A9-CF29-D27C64E82C81}"/>
               </a:ext>
             </a:extLst>
           </p:cNvPr>
@@ -5321,14 +4790,24 @@
           <p:nvPr/>
         </p:nvSpPr>
         <p:spPr>
-          <a:xfrm rot="120000">
-            <a:off x="7378214" y="1600170"/>
-            <a:ext cx="1416736" cy="261610"/>
+          <a:xfrm rot="21405541">
+            <a:off x="6227460" y="1433232"/>
+            <a:ext cx="743015" cy="307777"/>
           </a:xfrm>
           <a:prstGeom prst="rect">
             <a:avLst/>
           </a:prstGeom>
           <a:noFill/>
+          <a:ln>
+            <a:noFill/>
+          </a:ln>
+          <a:effectLst>
+            <a:outerShdw blurRad="50800" dist="38100" algn="l" rotWithShape="0">
+              <a:prstClr val="black">
+                <a:alpha val="40000"/>
+              </a:prstClr>
+            </a:outerShdw>
+          </a:effectLst>
         </p:spPr>
         <p:txBody>
           <a:bodyPr wrap="square" rtlCol="0">
@@ -5336,64 +4815,22 @@
           </a:bodyPr>
           <a:lstStyle/>
           <a:p>
-            <a:r>
-              <a:rPr lang="fr-FR" sz="1100" dirty="0">
-                <a:latin typeface="Arial Rounded MT Bold" panose="020F0704030504030204" pitchFamily="34" charset="0"/>
-              </a:rPr>
-              <a:t>Nom de l’équipe :</a:t>
-            </a:r>
-          </a:p>
-        </p:txBody>
-      </p:sp>
-      <p:cxnSp>
-        <p:nvCxnSpPr>
-          <p:cNvPr id="31" name="Connecteur droit 30">
+            <a:pPr algn="ctr"/>
+            <a:r>
+              <a:rPr lang="fr-FR" sz="1400" b="1" dirty="0">
+                <a:latin typeface="Arial Rounded MT Bold" panose="020F0704030504030204" pitchFamily="34" charset="0"/>
+              </a:rPr>
+              <a:t>v  x</a:t>
+            </a:r>
+          </a:p>
+        </p:txBody>
+      </p:sp>
+      <p:sp>
+        <p:nvSpPr>
+          <p:cNvPr id="31" name="ZoneTexte 30">
             <a:extLst>
               <a:ext uri="{FF2B5EF4-FFF2-40B4-BE49-F238E27FC236}">
-                <a16:creationId xmlns:a16="http://schemas.microsoft.com/office/drawing/2014/main" id="{08D8F012-BE97-E78A-C556-D3551ADA368D}"/>
-              </a:ext>
-            </a:extLst>
-          </p:cNvPr>
-          <p:cNvCxnSpPr>
-            <a:cxnSpLocks/>
-          </p:cNvCxnSpPr>
-          <p:nvPr/>
-        </p:nvCxnSpPr>
-        <p:spPr>
-          <a:xfrm>
-            <a:off x="8628717" y="1819353"/>
-            <a:ext cx="1300876" cy="36308"/>
-          </a:xfrm>
-          <a:prstGeom prst="line">
-            <a:avLst/>
-          </a:prstGeom>
-          <a:ln>
-            <a:solidFill>
-              <a:schemeClr val="tx1"/>
-            </a:solidFill>
-          </a:ln>
-        </p:spPr>
-        <p:style>
-          <a:lnRef idx="1">
-            <a:schemeClr val="accent1"/>
-          </a:lnRef>
-          <a:fillRef idx="0">
-            <a:schemeClr val="accent1"/>
-          </a:fillRef>
-          <a:effectRef idx="0">
-            <a:schemeClr val="accent1"/>
-          </a:effectRef>
-          <a:fontRef idx="minor">
-            <a:schemeClr val="tx1"/>
-          </a:fontRef>
-        </p:style>
-      </p:cxnSp>
-      <p:sp>
-        <p:nvSpPr>
-          <p:cNvPr id="35" name="ZoneTexte 34">
-            <a:extLst>
-              <a:ext uri="{FF2B5EF4-FFF2-40B4-BE49-F238E27FC236}">
-                <a16:creationId xmlns:a16="http://schemas.microsoft.com/office/drawing/2014/main" id="{5EEA0165-39C3-A53D-8531-B1B8260DDBB0}"/>
+                <a16:creationId xmlns:a16="http://schemas.microsoft.com/office/drawing/2014/main" id="{A8AB80E1-FDC7-538D-6F37-E2222929435C}"/>
               </a:ext>
             </a:extLst>
           </p:cNvPr>
@@ -5402,8 +4839,8 @@
         </p:nvSpPr>
         <p:spPr>
           <a:xfrm rot="21296926">
-            <a:off x="4990867" y="4885958"/>
-            <a:ext cx="819963" cy="307777"/>
+            <a:off x="9768553" y="5507098"/>
+            <a:ext cx="337820" cy="523220"/>
           </a:xfrm>
           <a:prstGeom prst="rect">
             <a:avLst/>
@@ -5420,7 +4857,7 @@
               <a:rPr lang="fr-FR" sz="1400" dirty="0">
                 <a:latin typeface="Arial Rounded MT Bold" panose="020F0704030504030204" pitchFamily="34" charset="0"/>
               </a:rPr>
-              <a:t> +       x</a:t>
+              <a:t> +     x</a:t>
             </a:r>
           </a:p>
         </p:txBody>
@@ -5428,7 +4865,7 @@
     </p:spTree>
     <p:extLst>
       <p:ext uri="{BB962C8B-B14F-4D97-AF65-F5344CB8AC3E}">
-        <p14:creationId xmlns:p14="http://schemas.microsoft.com/office/powerpoint/2010/main" val="2954101418"/>
+        <p14:creationId xmlns:p14="http://schemas.microsoft.com/office/powerpoint/2010/main" val="1534491767"/>
       </p:ext>
     </p:extLst>
   </p:cSld>
@@ -5465,6 +4902,857 @@
       </p:grpSpPr>
       <p:sp>
         <p:nvSpPr>
+          <p:cNvPr id="25" name="Rectangle 24">
+            <a:extLst>
+              <a:ext uri="{FF2B5EF4-FFF2-40B4-BE49-F238E27FC236}">
+                <a16:creationId xmlns:a16="http://schemas.microsoft.com/office/drawing/2014/main" id="{FF06F4B2-671B-282D-31BB-0C35DFB8C2FE}"/>
+              </a:ext>
+            </a:extLst>
+          </p:cNvPr>
+          <p:cNvSpPr/>
+          <p:nvPr/>
+        </p:nvSpPr>
+        <p:spPr>
+          <a:xfrm rot="120000">
+            <a:off x="7221218" y="1392931"/>
+            <a:ext cx="2814998" cy="4077192"/>
+          </a:xfrm>
+          <a:prstGeom prst="rect">
+            <a:avLst/>
+          </a:prstGeom>
+          <a:solidFill>
+            <a:srgbClr val="FFFF6D"/>
+          </a:solidFill>
+          <a:ln>
+            <a:noFill/>
+          </a:ln>
+          <a:effectLst>
+            <a:outerShdw blurRad="50800" dist="38100" algn="l" rotWithShape="0">
+              <a:prstClr val="black">
+                <a:alpha val="40000"/>
+              </a:prstClr>
+            </a:outerShdw>
+          </a:effectLst>
+        </p:spPr>
+        <p:style>
+          <a:lnRef idx="2">
+            <a:schemeClr val="accent1">
+              <a:shade val="15000"/>
+            </a:schemeClr>
+          </a:lnRef>
+          <a:fillRef idx="1">
+            <a:schemeClr val="accent1"/>
+          </a:fillRef>
+          <a:effectRef idx="0">
+            <a:schemeClr val="accent1"/>
+          </a:effectRef>
+          <a:fontRef idx="minor">
+            <a:schemeClr val="lt1"/>
+          </a:fontRef>
+        </p:style>
+        <p:txBody>
+          <a:bodyPr rtlCol="0" anchor="ctr"/>
+          <a:lstStyle/>
+          <a:p>
+            <a:pPr algn="ctr"/>
+            <a:endParaRPr lang="fr-FR"/>
+          </a:p>
+        </p:txBody>
+      </p:sp>
+      <p:sp>
+        <p:nvSpPr>
+          <p:cNvPr id="3" name="Rectangle 2">
+            <a:extLst>
+              <a:ext uri="{FF2B5EF4-FFF2-40B4-BE49-F238E27FC236}">
+                <a16:creationId xmlns:a16="http://schemas.microsoft.com/office/drawing/2014/main" id="{4281468D-A4CC-7136-8EBA-326CD6001F6D}"/>
+              </a:ext>
+            </a:extLst>
+          </p:cNvPr>
+          <p:cNvSpPr/>
+          <p:nvPr/>
+        </p:nvSpPr>
+        <p:spPr>
+          <a:xfrm rot="21413575">
+            <a:off x="350348" y="1665655"/>
+            <a:ext cx="5605365" cy="3778922"/>
+          </a:xfrm>
+          <a:prstGeom prst="rect">
+            <a:avLst/>
+          </a:prstGeom>
+          <a:solidFill>
+            <a:srgbClr val="00B0DA"/>
+          </a:solidFill>
+          <a:ln>
+            <a:noFill/>
+          </a:ln>
+          <a:effectLst>
+            <a:outerShdw blurRad="50800" dist="38100" algn="l" rotWithShape="0">
+              <a:prstClr val="black">
+                <a:alpha val="40000"/>
+              </a:prstClr>
+            </a:outerShdw>
+          </a:effectLst>
+        </p:spPr>
+        <p:style>
+          <a:lnRef idx="2">
+            <a:schemeClr val="accent1">
+              <a:shade val="15000"/>
+            </a:schemeClr>
+          </a:lnRef>
+          <a:fillRef idx="1">
+            <a:schemeClr val="accent1"/>
+          </a:fillRef>
+          <a:effectRef idx="0">
+            <a:schemeClr val="accent1"/>
+          </a:effectRef>
+          <a:fontRef idx="minor">
+            <a:schemeClr val="lt1"/>
+          </a:fontRef>
+        </p:style>
+        <p:txBody>
+          <a:bodyPr rtlCol="0" anchor="ctr"/>
+          <a:lstStyle/>
+          <a:p>
+            <a:pPr algn="ctr"/>
+            <a:endParaRPr lang="fr-FR" sz="795" dirty="0">
+              <a:solidFill>
+                <a:srgbClr val="00B0DA"/>
+              </a:solidFill>
+            </a:endParaRPr>
+          </a:p>
+        </p:txBody>
+      </p:sp>
+      <p:sp>
+        <p:nvSpPr>
+          <p:cNvPr id="2" name="ZoneTexte 1">
+            <a:extLst>
+              <a:ext uri="{FF2B5EF4-FFF2-40B4-BE49-F238E27FC236}">
+                <a16:creationId xmlns:a16="http://schemas.microsoft.com/office/drawing/2014/main" id="{06297AA2-BBB9-B104-2CB0-931DEE3567E6}"/>
+              </a:ext>
+            </a:extLst>
+          </p:cNvPr>
+          <p:cNvSpPr txBox="1"/>
+          <p:nvPr/>
+        </p:nvSpPr>
+        <p:spPr>
+          <a:xfrm>
+            <a:off x="0" y="-1"/>
+            <a:ext cx="10691813" cy="246221"/>
+          </a:xfrm>
+          <a:prstGeom prst="rect">
+            <a:avLst/>
+          </a:prstGeom>
+          <a:noFill/>
+        </p:spPr>
+        <p:txBody>
+          <a:bodyPr wrap="square" rtlCol="0">
+            <a:spAutoFit/>
+          </a:bodyPr>
+          <a:lstStyle/>
+          <a:p>
+            <a:r>
+              <a:rPr lang="fr-FR" sz="1000" b="1" dirty="0"/>
+              <a:t>Modale Formulaire d’ajout de stagiaires et candidats</a:t>
+            </a:r>
+          </a:p>
+        </p:txBody>
+      </p:sp>
+      <p:sp>
+        <p:nvSpPr>
+          <p:cNvPr id="4" name="Rectangle 3">
+            <a:extLst>
+              <a:ext uri="{FF2B5EF4-FFF2-40B4-BE49-F238E27FC236}">
+                <a16:creationId xmlns:a16="http://schemas.microsoft.com/office/drawing/2014/main" id="{0E7D9843-473B-AE3F-577F-EA01F269D251}"/>
+              </a:ext>
+            </a:extLst>
+          </p:cNvPr>
+          <p:cNvSpPr/>
+          <p:nvPr/>
+        </p:nvSpPr>
+        <p:spPr>
+          <a:xfrm>
+            <a:off x="7499512" y="4230979"/>
+            <a:ext cx="180000" cy="180000"/>
+          </a:xfrm>
+          <a:prstGeom prst="rect">
+            <a:avLst/>
+          </a:prstGeom>
+          <a:solidFill>
+            <a:schemeClr val="bg1">
+              <a:lumMod val="95000"/>
+            </a:schemeClr>
+          </a:solidFill>
+          <a:ln w="28575">
+            <a:solidFill>
+              <a:schemeClr val="tx1"/>
+            </a:solidFill>
+          </a:ln>
+        </p:spPr>
+        <p:style>
+          <a:lnRef idx="2">
+            <a:schemeClr val="accent1">
+              <a:shade val="15000"/>
+            </a:schemeClr>
+          </a:lnRef>
+          <a:fillRef idx="1">
+            <a:schemeClr val="accent1"/>
+          </a:fillRef>
+          <a:effectRef idx="0">
+            <a:schemeClr val="accent1"/>
+          </a:effectRef>
+          <a:fontRef idx="minor">
+            <a:schemeClr val="lt1"/>
+          </a:fontRef>
+        </p:style>
+        <p:txBody>
+          <a:bodyPr rtlCol="0" anchor="ctr"/>
+          <a:lstStyle/>
+          <a:p>
+            <a:pPr algn="ctr"/>
+            <a:endParaRPr lang="fr-FR" sz="795"/>
+          </a:p>
+        </p:txBody>
+      </p:sp>
+      <p:sp>
+        <p:nvSpPr>
+          <p:cNvPr id="5" name="ZoneTexte 4">
+            <a:extLst>
+              <a:ext uri="{FF2B5EF4-FFF2-40B4-BE49-F238E27FC236}">
+                <a16:creationId xmlns:a16="http://schemas.microsoft.com/office/drawing/2014/main" id="{1504CE4F-4017-2122-F96E-E0AFE95F6EE9}"/>
+              </a:ext>
+            </a:extLst>
+          </p:cNvPr>
+          <p:cNvSpPr txBox="1"/>
+          <p:nvPr/>
+        </p:nvSpPr>
+        <p:spPr>
+          <a:xfrm rot="120000">
+            <a:off x="7829876" y="4195025"/>
+            <a:ext cx="2052429" cy="338554"/>
+          </a:xfrm>
+          <a:prstGeom prst="rect">
+            <a:avLst/>
+          </a:prstGeom>
+          <a:noFill/>
+        </p:spPr>
+        <p:txBody>
+          <a:bodyPr wrap="square" rtlCol="0">
+            <a:spAutoFit/>
+          </a:bodyPr>
+          <a:lstStyle/>
+          <a:p>
+            <a:r>
+              <a:rPr lang="fr-FR" sz="1600" dirty="0">
+                <a:solidFill>
+                  <a:srgbClr val="FF0000"/>
+                </a:solidFill>
+                <a:latin typeface="Arial Rounded MT Bold" panose="020F0704030504030204" pitchFamily="34" charset="0"/>
+              </a:rPr>
+              <a:t>Candidat Délégué</a:t>
+            </a:r>
+          </a:p>
+        </p:txBody>
+      </p:sp>
+      <p:sp>
+        <p:nvSpPr>
+          <p:cNvPr id="6" name="ZoneTexte 5">
+            <a:extLst>
+              <a:ext uri="{FF2B5EF4-FFF2-40B4-BE49-F238E27FC236}">
+                <a16:creationId xmlns:a16="http://schemas.microsoft.com/office/drawing/2014/main" id="{E72EF1BF-75F2-5626-40B2-93DD17BE3A32}"/>
+              </a:ext>
+            </a:extLst>
+          </p:cNvPr>
+          <p:cNvSpPr txBox="1"/>
+          <p:nvPr/>
+        </p:nvSpPr>
+        <p:spPr>
+          <a:xfrm rot="21300000">
+            <a:off x="881153" y="2293284"/>
+            <a:ext cx="1294409" cy="369332"/>
+          </a:xfrm>
+          <a:prstGeom prst="rect">
+            <a:avLst/>
+          </a:prstGeom>
+          <a:noFill/>
+        </p:spPr>
+        <p:txBody>
+          <a:bodyPr wrap="square" rtlCol="0">
+            <a:spAutoFit/>
+          </a:bodyPr>
+          <a:lstStyle/>
+          <a:p>
+            <a:r>
+              <a:rPr lang="fr-FR" dirty="0">
+                <a:latin typeface="Arial Rounded MT Bold" panose="020F0704030504030204" pitchFamily="34" charset="0"/>
+              </a:rPr>
+              <a:t>Prénom : </a:t>
+            </a:r>
+          </a:p>
+        </p:txBody>
+      </p:sp>
+      <p:sp>
+        <p:nvSpPr>
+          <p:cNvPr id="12" name="ZoneTexte 11">
+            <a:extLst>
+              <a:ext uri="{FF2B5EF4-FFF2-40B4-BE49-F238E27FC236}">
+                <a16:creationId xmlns:a16="http://schemas.microsoft.com/office/drawing/2014/main" id="{95EC0ECA-6C3D-97B5-904D-41EB75222F49}"/>
+              </a:ext>
+            </a:extLst>
+          </p:cNvPr>
+          <p:cNvSpPr txBox="1"/>
+          <p:nvPr/>
+        </p:nvSpPr>
+        <p:spPr>
+          <a:xfrm>
+            <a:off x="7179723" y="811031"/>
+            <a:ext cx="3218218" cy="461665"/>
+          </a:xfrm>
+          <a:prstGeom prst="rect">
+            <a:avLst/>
+          </a:prstGeom>
+          <a:noFill/>
+        </p:spPr>
+        <p:txBody>
+          <a:bodyPr wrap="square" rtlCol="0">
+            <a:spAutoFit/>
+          </a:bodyPr>
+          <a:lstStyle/>
+          <a:p>
+            <a:r>
+              <a:rPr lang="fr-FR" sz="1200" dirty="0">
+                <a:solidFill>
+                  <a:schemeClr val="tx1">
+                    <a:lumMod val="65000"/>
+                    <a:lumOff val="35000"/>
+                  </a:schemeClr>
+                </a:solidFill>
+              </a:rPr>
+              <a:t>? (Si candidat ou suppléant  coché affiche que nom et prénom)</a:t>
+            </a:r>
+          </a:p>
+        </p:txBody>
+      </p:sp>
+      <p:sp>
+        <p:nvSpPr>
+          <p:cNvPr id="13" name="Rectangle 12">
+            <a:extLst>
+              <a:ext uri="{FF2B5EF4-FFF2-40B4-BE49-F238E27FC236}">
+                <a16:creationId xmlns:a16="http://schemas.microsoft.com/office/drawing/2014/main" id="{1319F63E-4346-18A5-EFEF-EB51581DBE47}"/>
+              </a:ext>
+            </a:extLst>
+          </p:cNvPr>
+          <p:cNvSpPr/>
+          <p:nvPr/>
+        </p:nvSpPr>
+        <p:spPr>
+          <a:xfrm>
+            <a:off x="7499511" y="4700371"/>
+            <a:ext cx="180000" cy="180000"/>
+          </a:xfrm>
+          <a:prstGeom prst="rect">
+            <a:avLst/>
+          </a:prstGeom>
+          <a:solidFill>
+            <a:schemeClr val="bg1">
+              <a:lumMod val="95000"/>
+            </a:schemeClr>
+          </a:solidFill>
+          <a:ln w="28575">
+            <a:solidFill>
+              <a:schemeClr val="tx1"/>
+            </a:solidFill>
+          </a:ln>
+        </p:spPr>
+        <p:style>
+          <a:lnRef idx="2">
+            <a:schemeClr val="accent1">
+              <a:shade val="15000"/>
+            </a:schemeClr>
+          </a:lnRef>
+          <a:fillRef idx="1">
+            <a:schemeClr val="accent1"/>
+          </a:fillRef>
+          <a:effectRef idx="0">
+            <a:schemeClr val="accent1"/>
+          </a:effectRef>
+          <a:fontRef idx="minor">
+            <a:schemeClr val="lt1"/>
+          </a:fontRef>
+        </p:style>
+        <p:txBody>
+          <a:bodyPr rtlCol="0" anchor="ctr"/>
+          <a:lstStyle/>
+          <a:p>
+            <a:pPr algn="ctr"/>
+            <a:endParaRPr lang="fr-FR" sz="795"/>
+          </a:p>
+        </p:txBody>
+      </p:sp>
+      <p:sp>
+        <p:nvSpPr>
+          <p:cNvPr id="14" name="ZoneTexte 13">
+            <a:extLst>
+              <a:ext uri="{FF2B5EF4-FFF2-40B4-BE49-F238E27FC236}">
+                <a16:creationId xmlns:a16="http://schemas.microsoft.com/office/drawing/2014/main" id="{963EDBB0-0A01-1307-FB6E-7D6E423F7657}"/>
+              </a:ext>
+            </a:extLst>
+          </p:cNvPr>
+          <p:cNvSpPr txBox="1"/>
+          <p:nvPr/>
+        </p:nvSpPr>
+        <p:spPr>
+          <a:xfrm rot="120000">
+            <a:off x="7829809" y="4681180"/>
+            <a:ext cx="2271481" cy="338554"/>
+          </a:xfrm>
+          <a:prstGeom prst="rect">
+            <a:avLst/>
+          </a:prstGeom>
+          <a:noFill/>
+        </p:spPr>
+        <p:txBody>
+          <a:bodyPr wrap="square" rtlCol="0">
+            <a:spAutoFit/>
+          </a:bodyPr>
+          <a:lstStyle/>
+          <a:p>
+            <a:r>
+              <a:rPr lang="fr-FR" sz="1600" dirty="0">
+                <a:solidFill>
+                  <a:srgbClr val="FF0000"/>
+                </a:solidFill>
+                <a:latin typeface="Arial Rounded MT Bold" panose="020F0704030504030204" pitchFamily="34" charset="0"/>
+              </a:rPr>
+              <a:t>Candidat suppléant</a:t>
+            </a:r>
+          </a:p>
+        </p:txBody>
+      </p:sp>
+      <p:sp>
+        <p:nvSpPr>
+          <p:cNvPr id="17" name="ZoneTexte 16">
+            <a:extLst>
+              <a:ext uri="{FF2B5EF4-FFF2-40B4-BE49-F238E27FC236}">
+                <a16:creationId xmlns:a16="http://schemas.microsoft.com/office/drawing/2014/main" id="{DA0095E1-554B-6400-44F8-49CEF5D08CFF}"/>
+              </a:ext>
+            </a:extLst>
+          </p:cNvPr>
+          <p:cNvSpPr txBox="1"/>
+          <p:nvPr/>
+        </p:nvSpPr>
+        <p:spPr>
+          <a:xfrm rot="21300000">
+            <a:off x="875499" y="3053439"/>
+            <a:ext cx="4266759" cy="369332"/>
+          </a:xfrm>
+          <a:prstGeom prst="rect">
+            <a:avLst/>
+          </a:prstGeom>
+          <a:noFill/>
+        </p:spPr>
+        <p:txBody>
+          <a:bodyPr wrap="square" rtlCol="0">
+            <a:spAutoFit/>
+          </a:bodyPr>
+          <a:lstStyle/>
+          <a:p>
+            <a:r>
+              <a:rPr lang="fr-FR" dirty="0">
+                <a:latin typeface="Arial Rounded MT Bold" panose="020F0704030504030204" pitchFamily="34" charset="0"/>
+              </a:rPr>
+              <a:t>Nom :  </a:t>
+            </a:r>
+          </a:p>
+        </p:txBody>
+      </p:sp>
+      <p:sp>
+        <p:nvSpPr>
+          <p:cNvPr id="18" name="ZoneTexte 17">
+            <a:extLst>
+              <a:ext uri="{FF2B5EF4-FFF2-40B4-BE49-F238E27FC236}">
+                <a16:creationId xmlns:a16="http://schemas.microsoft.com/office/drawing/2014/main" id="{B9D11616-C098-2B0D-80C3-525309996F2F}"/>
+              </a:ext>
+            </a:extLst>
+          </p:cNvPr>
+          <p:cNvSpPr txBox="1"/>
+          <p:nvPr/>
+        </p:nvSpPr>
+        <p:spPr>
+          <a:xfrm rot="21300000">
+            <a:off x="881154" y="4145533"/>
+            <a:ext cx="1294409" cy="369332"/>
+          </a:xfrm>
+          <a:prstGeom prst="rect">
+            <a:avLst/>
+          </a:prstGeom>
+          <a:noFill/>
+        </p:spPr>
+        <p:txBody>
+          <a:bodyPr wrap="square" rtlCol="0">
+            <a:spAutoFit/>
+          </a:bodyPr>
+          <a:lstStyle/>
+          <a:p>
+            <a:r>
+              <a:rPr lang="fr-FR" dirty="0">
+                <a:latin typeface="Arial Rounded MT Bold" panose="020F0704030504030204" pitchFamily="34" charset="0"/>
+              </a:rPr>
+              <a:t>Mail :</a:t>
+            </a:r>
+          </a:p>
+        </p:txBody>
+      </p:sp>
+      <p:cxnSp>
+        <p:nvCxnSpPr>
+          <p:cNvPr id="20" name="Connecteur droit 19">
+            <a:extLst>
+              <a:ext uri="{FF2B5EF4-FFF2-40B4-BE49-F238E27FC236}">
+                <a16:creationId xmlns:a16="http://schemas.microsoft.com/office/drawing/2014/main" id="{D36E6671-F47C-B527-A1C0-81C284412ACB}"/>
+              </a:ext>
+            </a:extLst>
+          </p:cNvPr>
+          <p:cNvCxnSpPr>
+            <a:cxnSpLocks/>
+          </p:cNvCxnSpPr>
+          <p:nvPr/>
+        </p:nvCxnSpPr>
+        <p:spPr>
+          <a:xfrm rot="21420000" flipV="1">
+            <a:off x="2088472" y="2341834"/>
+            <a:ext cx="2866998" cy="136716"/>
+          </a:xfrm>
+          <a:prstGeom prst="line">
+            <a:avLst/>
+          </a:prstGeom>
+        </p:spPr>
+        <p:style>
+          <a:lnRef idx="1">
+            <a:schemeClr val="accent1"/>
+          </a:lnRef>
+          <a:fillRef idx="0">
+            <a:schemeClr val="accent1"/>
+          </a:fillRef>
+          <a:effectRef idx="0">
+            <a:schemeClr val="accent1"/>
+          </a:effectRef>
+          <a:fontRef idx="minor">
+            <a:schemeClr val="tx1"/>
+          </a:fontRef>
+        </p:style>
+      </p:cxnSp>
+      <p:cxnSp>
+        <p:nvCxnSpPr>
+          <p:cNvPr id="23" name="Connecteur droit 22">
+            <a:extLst>
+              <a:ext uri="{FF2B5EF4-FFF2-40B4-BE49-F238E27FC236}">
+                <a16:creationId xmlns:a16="http://schemas.microsoft.com/office/drawing/2014/main" id="{002711DA-E9EA-BA97-88A1-2A8AB3CE5F7F}"/>
+              </a:ext>
+            </a:extLst>
+          </p:cNvPr>
+          <p:cNvCxnSpPr>
+            <a:cxnSpLocks/>
+          </p:cNvCxnSpPr>
+          <p:nvPr/>
+        </p:nvCxnSpPr>
+        <p:spPr>
+          <a:xfrm rot="21420000" flipV="1">
+            <a:off x="2088471" y="3219128"/>
+            <a:ext cx="2866998" cy="136716"/>
+          </a:xfrm>
+          <a:prstGeom prst="line">
+            <a:avLst/>
+          </a:prstGeom>
+        </p:spPr>
+        <p:style>
+          <a:lnRef idx="1">
+            <a:schemeClr val="accent1"/>
+          </a:lnRef>
+          <a:fillRef idx="0">
+            <a:schemeClr val="accent1"/>
+          </a:fillRef>
+          <a:effectRef idx="0">
+            <a:schemeClr val="accent1"/>
+          </a:effectRef>
+          <a:fontRef idx="minor">
+            <a:schemeClr val="tx1"/>
+          </a:fontRef>
+        </p:style>
+      </p:cxnSp>
+      <p:cxnSp>
+        <p:nvCxnSpPr>
+          <p:cNvPr id="24" name="Connecteur droit 23">
+            <a:extLst>
+              <a:ext uri="{FF2B5EF4-FFF2-40B4-BE49-F238E27FC236}">
+                <a16:creationId xmlns:a16="http://schemas.microsoft.com/office/drawing/2014/main" id="{18A2FBF7-A8BF-0314-8C95-19C445843045}"/>
+              </a:ext>
+            </a:extLst>
+          </p:cNvPr>
+          <p:cNvCxnSpPr>
+            <a:cxnSpLocks/>
+          </p:cNvCxnSpPr>
+          <p:nvPr/>
+        </p:nvCxnSpPr>
+        <p:spPr>
+          <a:xfrm rot="21420000" flipV="1">
+            <a:off x="2088472" y="4152657"/>
+            <a:ext cx="2866998" cy="136716"/>
+          </a:xfrm>
+          <a:prstGeom prst="line">
+            <a:avLst/>
+          </a:prstGeom>
+        </p:spPr>
+        <p:style>
+          <a:lnRef idx="1">
+            <a:schemeClr val="accent1"/>
+          </a:lnRef>
+          <a:fillRef idx="0">
+            <a:schemeClr val="accent1"/>
+          </a:fillRef>
+          <a:effectRef idx="0">
+            <a:schemeClr val="accent1"/>
+          </a:effectRef>
+          <a:fontRef idx="minor">
+            <a:schemeClr val="tx1"/>
+          </a:fontRef>
+        </p:style>
+      </p:cxnSp>
+      <p:sp>
+        <p:nvSpPr>
+          <p:cNvPr id="26" name="ZoneTexte 25">
+            <a:extLst>
+              <a:ext uri="{FF2B5EF4-FFF2-40B4-BE49-F238E27FC236}">
+                <a16:creationId xmlns:a16="http://schemas.microsoft.com/office/drawing/2014/main" id="{116BD7D8-C8D2-E2BB-2AB3-90E565479651}"/>
+              </a:ext>
+            </a:extLst>
+          </p:cNvPr>
+          <p:cNvSpPr txBox="1"/>
+          <p:nvPr/>
+        </p:nvSpPr>
+        <p:spPr>
+          <a:xfrm>
+            <a:off x="2868642" y="6764055"/>
+            <a:ext cx="1703358" cy="408623"/>
+          </a:xfrm>
+          <a:prstGeom prst="roundRect">
+            <a:avLst/>
+          </a:prstGeom>
+          <a:solidFill>
+            <a:srgbClr val="FE62FF"/>
+          </a:solidFill>
+        </p:spPr>
+        <p:txBody>
+          <a:bodyPr wrap="square" rtlCol="0">
+            <a:spAutoFit/>
+          </a:bodyPr>
+          <a:lstStyle/>
+          <a:p>
+            <a:pPr algn="ctr"/>
+            <a:r>
+              <a:rPr lang="fr-FR" dirty="0">
+                <a:latin typeface="Arial Rounded MT Bold" panose="020F0704030504030204" pitchFamily="34" charset="0"/>
+              </a:rPr>
+              <a:t>Valider</a:t>
+            </a:r>
+          </a:p>
+        </p:txBody>
+      </p:sp>
+      <p:sp>
+        <p:nvSpPr>
+          <p:cNvPr id="27" name="ZoneTexte 26">
+            <a:extLst>
+              <a:ext uri="{FF2B5EF4-FFF2-40B4-BE49-F238E27FC236}">
+                <a16:creationId xmlns:a16="http://schemas.microsoft.com/office/drawing/2014/main" id="{ED321583-3CA9-EF8F-E124-FF79B04D0641}"/>
+              </a:ext>
+            </a:extLst>
+          </p:cNvPr>
+          <p:cNvSpPr txBox="1"/>
+          <p:nvPr/>
+        </p:nvSpPr>
+        <p:spPr>
+          <a:xfrm>
+            <a:off x="6119814" y="6764055"/>
+            <a:ext cx="1703358" cy="408623"/>
+          </a:xfrm>
+          <a:prstGeom prst="roundRect">
+            <a:avLst/>
+          </a:prstGeom>
+          <a:solidFill>
+            <a:srgbClr val="FE62FF"/>
+          </a:solidFill>
+        </p:spPr>
+        <p:txBody>
+          <a:bodyPr wrap="square" rtlCol="0">
+            <a:spAutoFit/>
+          </a:bodyPr>
+          <a:lstStyle/>
+          <a:p>
+            <a:pPr algn="ctr"/>
+            <a:r>
+              <a:rPr lang="fr-FR" dirty="0">
+                <a:latin typeface="Arial Rounded MT Bold" panose="020F0704030504030204" pitchFamily="34" charset="0"/>
+              </a:rPr>
+              <a:t>Annuler</a:t>
+            </a:r>
+          </a:p>
+        </p:txBody>
+      </p:sp>
+      <p:sp>
+        <p:nvSpPr>
+          <p:cNvPr id="15" name="ZoneTexte 14">
+            <a:extLst>
+              <a:ext uri="{FF2B5EF4-FFF2-40B4-BE49-F238E27FC236}">
+                <a16:creationId xmlns:a16="http://schemas.microsoft.com/office/drawing/2014/main" id="{52B11E43-96EF-FF13-A4C3-5ABCA17BED80}"/>
+              </a:ext>
+            </a:extLst>
+          </p:cNvPr>
+          <p:cNvSpPr txBox="1"/>
+          <p:nvPr/>
+        </p:nvSpPr>
+        <p:spPr>
+          <a:xfrm rot="120000">
+            <a:off x="7378214" y="1600170"/>
+            <a:ext cx="1416736" cy="261610"/>
+          </a:xfrm>
+          <a:prstGeom prst="rect">
+            <a:avLst/>
+          </a:prstGeom>
+          <a:noFill/>
+        </p:spPr>
+        <p:txBody>
+          <a:bodyPr wrap="square" rtlCol="0">
+            <a:spAutoFit/>
+          </a:bodyPr>
+          <a:lstStyle/>
+          <a:p>
+            <a:r>
+              <a:rPr lang="fr-FR" sz="1100" dirty="0">
+                <a:latin typeface="Arial Rounded MT Bold" panose="020F0704030504030204" pitchFamily="34" charset="0"/>
+              </a:rPr>
+              <a:t>Nom de l’équipe :</a:t>
+            </a:r>
+          </a:p>
+        </p:txBody>
+      </p:sp>
+      <p:cxnSp>
+        <p:nvCxnSpPr>
+          <p:cNvPr id="31" name="Connecteur droit 30">
+            <a:extLst>
+              <a:ext uri="{FF2B5EF4-FFF2-40B4-BE49-F238E27FC236}">
+                <a16:creationId xmlns:a16="http://schemas.microsoft.com/office/drawing/2014/main" id="{08D8F012-BE97-E78A-C556-D3551ADA368D}"/>
+              </a:ext>
+            </a:extLst>
+          </p:cNvPr>
+          <p:cNvCxnSpPr>
+            <a:cxnSpLocks/>
+          </p:cNvCxnSpPr>
+          <p:nvPr/>
+        </p:nvCxnSpPr>
+        <p:spPr>
+          <a:xfrm>
+            <a:off x="8628717" y="1819353"/>
+            <a:ext cx="1300876" cy="36308"/>
+          </a:xfrm>
+          <a:prstGeom prst="line">
+            <a:avLst/>
+          </a:prstGeom>
+          <a:ln>
+            <a:solidFill>
+              <a:schemeClr val="tx1"/>
+            </a:solidFill>
+          </a:ln>
+        </p:spPr>
+        <p:style>
+          <a:lnRef idx="1">
+            <a:schemeClr val="accent1"/>
+          </a:lnRef>
+          <a:fillRef idx="0">
+            <a:schemeClr val="accent1"/>
+          </a:fillRef>
+          <a:effectRef idx="0">
+            <a:schemeClr val="accent1"/>
+          </a:effectRef>
+          <a:fontRef idx="minor">
+            <a:schemeClr val="tx1"/>
+          </a:fontRef>
+        </p:style>
+      </p:cxnSp>
+      <p:sp>
+        <p:nvSpPr>
+          <p:cNvPr id="35" name="ZoneTexte 34">
+            <a:extLst>
+              <a:ext uri="{FF2B5EF4-FFF2-40B4-BE49-F238E27FC236}">
+                <a16:creationId xmlns:a16="http://schemas.microsoft.com/office/drawing/2014/main" id="{5EEA0165-39C3-A53D-8531-B1B8260DDBB0}"/>
+              </a:ext>
+            </a:extLst>
+          </p:cNvPr>
+          <p:cNvSpPr txBox="1"/>
+          <p:nvPr/>
+        </p:nvSpPr>
+        <p:spPr>
+          <a:xfrm rot="21296926">
+            <a:off x="4990867" y="4885958"/>
+            <a:ext cx="819963" cy="307777"/>
+          </a:xfrm>
+          <a:prstGeom prst="rect">
+            <a:avLst/>
+          </a:prstGeom>
+          <a:noFill/>
+        </p:spPr>
+        <p:txBody>
+          <a:bodyPr wrap="square" rtlCol="0">
+            <a:spAutoFit/>
+          </a:bodyPr>
+          <a:lstStyle/>
+          <a:p>
+            <a:r>
+              <a:rPr lang="fr-FR" sz="1400" dirty="0">
+                <a:latin typeface="Arial Rounded MT Bold" panose="020F0704030504030204" pitchFamily="34" charset="0"/>
+              </a:rPr>
+              <a:t> +       x</a:t>
+            </a:r>
+          </a:p>
+        </p:txBody>
+      </p:sp>
+    </p:spTree>
+    <p:extLst>
+      <p:ext uri="{BB962C8B-B14F-4D97-AF65-F5344CB8AC3E}">
+        <p14:creationId xmlns:p14="http://schemas.microsoft.com/office/powerpoint/2010/main" val="2954101418"/>
+      </p:ext>
+    </p:extLst>
+  </p:cSld>
+  <p:clrMapOvr>
+    <a:masterClrMapping/>
+  </p:clrMapOvr>
+</p:sld>
+</file>
+
+<file path=ppt/slides/slide4.xml><?xml version="1.0" encoding="utf-8"?>
+<p:sld xmlns:a="http://schemas.openxmlformats.org/drawingml/2006/main" xmlns:r="http://schemas.openxmlformats.org/officeDocument/2006/relationships" xmlns:p="http://schemas.openxmlformats.org/presentationml/2006/main">
+  <p:cSld>
+    <p:bg>
+      <p:bgPr>
+        <a:solidFill>
+          <a:schemeClr val="bg1"/>
+        </a:solidFill>
+        <a:effectLst/>
+      </p:bgPr>
+    </p:bg>
+    <p:spTree>
+      <p:nvGrpSpPr>
+        <p:cNvPr id="1" name=""/>
+        <p:cNvGrpSpPr/>
+        <p:nvPr/>
+      </p:nvGrpSpPr>
+      <p:grpSpPr>
+        <a:xfrm>
+          <a:off x="0" y="0"/>
+          <a:ext cx="0" cy="0"/>
+          <a:chOff x="0" y="0"/>
+          <a:chExt cx="0" cy="0"/>
+        </a:xfrm>
+      </p:grpSpPr>
+      <p:sp>
+        <p:nvSpPr>
           <p:cNvPr id="2" name="ZoneTexte 1">
             <a:extLst>
               <a:ext uri="{FF2B5EF4-FFF2-40B4-BE49-F238E27FC236}">
@@ -6214,7 +6502,7 @@
 </p:sld>
 </file>
 
-<file path=ppt/slides/slide4.xml><?xml version="1.0" encoding="utf-8"?>
+<file path=ppt/slides/slide5.xml><?xml version="1.0" encoding="utf-8"?>
 <p:sld xmlns:a="http://schemas.openxmlformats.org/drawingml/2006/main" xmlns:r="http://schemas.openxmlformats.org/officeDocument/2006/relationships" xmlns:p="http://schemas.openxmlformats.org/presentationml/2006/main">
   <p:cSld>
     <p:bg>
@@ -7037,7 +7325,7 @@
 </p:sld>
 </file>
 
-<file path=ppt/slides/slide5.xml><?xml version="1.0" encoding="utf-8"?>
+<file path=ppt/slides/slide6.xml><?xml version="1.0" encoding="utf-8"?>
 <p:sld xmlns:a="http://schemas.openxmlformats.org/drawingml/2006/main" xmlns:r="http://schemas.openxmlformats.org/officeDocument/2006/relationships" xmlns:p="http://schemas.openxmlformats.org/presentationml/2006/main">
   <p:cSld>
     <p:bg>
